--- a/PPTs/10-正则表达式.pptx
+++ b/PPTs/10-正则表达式.pptx
@@ -12,6 +12,12 @@
     <p:sldId id="260" r:id="rId6"/>
     <p:sldId id="261" r:id="rId7"/>
     <p:sldId id="262" r:id="rId8"/>
+    <p:sldId id="263" r:id="rId9"/>
+    <p:sldId id="264" r:id="rId10"/>
+    <p:sldId id="265" r:id="rId11"/>
+    <p:sldId id="266" r:id="rId12"/>
+    <p:sldId id="267" r:id="rId13"/>
+    <p:sldId id="268" r:id="rId14"/>
   </p:sldIdLst>
   <p:sldSz cx="12192000" cy="6858000"/>
   <p:notesSz cx="6858000" cy="9144000"/>
@@ -265,7 +271,7 @@
           <a:p>
             <a:fld id="{487F0F1B-5F91-4617-BC7B-DF0AFF7D346F}" type="datetimeFigureOut">
               <a:rPr lang="zh-CN" altLang="en-US" smtClean="0"/>
-              <a:t>2020/12/28</a:t>
+              <a:t>2020/12/31</a:t>
             </a:fld>
             <a:endParaRPr lang="zh-CN" altLang="en-US"/>
           </a:p>
@@ -463,7 +469,7 @@
           <a:p>
             <a:fld id="{487F0F1B-5F91-4617-BC7B-DF0AFF7D346F}" type="datetimeFigureOut">
               <a:rPr lang="zh-CN" altLang="en-US" smtClean="0"/>
-              <a:t>2020/12/28</a:t>
+              <a:t>2020/12/31</a:t>
             </a:fld>
             <a:endParaRPr lang="zh-CN" altLang="en-US"/>
           </a:p>
@@ -671,7 +677,7 @@
           <a:p>
             <a:fld id="{487F0F1B-5F91-4617-BC7B-DF0AFF7D346F}" type="datetimeFigureOut">
               <a:rPr lang="zh-CN" altLang="en-US" smtClean="0"/>
-              <a:t>2020/12/28</a:t>
+              <a:t>2020/12/31</a:t>
             </a:fld>
             <a:endParaRPr lang="zh-CN" altLang="en-US"/>
           </a:p>
@@ -869,7 +875,7 @@
           <a:p>
             <a:fld id="{487F0F1B-5F91-4617-BC7B-DF0AFF7D346F}" type="datetimeFigureOut">
               <a:rPr lang="zh-CN" altLang="en-US" smtClean="0"/>
-              <a:t>2020/12/28</a:t>
+              <a:t>2020/12/31</a:t>
             </a:fld>
             <a:endParaRPr lang="zh-CN" altLang="en-US"/>
           </a:p>
@@ -1144,7 +1150,7 @@
           <a:p>
             <a:fld id="{487F0F1B-5F91-4617-BC7B-DF0AFF7D346F}" type="datetimeFigureOut">
               <a:rPr lang="zh-CN" altLang="en-US" smtClean="0"/>
-              <a:t>2020/12/28</a:t>
+              <a:t>2020/12/31</a:t>
             </a:fld>
             <a:endParaRPr lang="zh-CN" altLang="en-US"/>
           </a:p>
@@ -1409,7 +1415,7 @@
           <a:p>
             <a:fld id="{487F0F1B-5F91-4617-BC7B-DF0AFF7D346F}" type="datetimeFigureOut">
               <a:rPr lang="zh-CN" altLang="en-US" smtClean="0"/>
-              <a:t>2020/12/28</a:t>
+              <a:t>2020/12/31</a:t>
             </a:fld>
             <a:endParaRPr lang="zh-CN" altLang="en-US"/>
           </a:p>
@@ -1821,7 +1827,7 @@
           <a:p>
             <a:fld id="{487F0F1B-5F91-4617-BC7B-DF0AFF7D346F}" type="datetimeFigureOut">
               <a:rPr lang="zh-CN" altLang="en-US" smtClean="0"/>
-              <a:t>2020/12/28</a:t>
+              <a:t>2020/12/31</a:t>
             </a:fld>
             <a:endParaRPr lang="zh-CN" altLang="en-US"/>
           </a:p>
@@ -1962,7 +1968,7 @@
           <a:p>
             <a:fld id="{487F0F1B-5F91-4617-BC7B-DF0AFF7D346F}" type="datetimeFigureOut">
               <a:rPr lang="zh-CN" altLang="en-US" smtClean="0"/>
-              <a:t>2020/12/28</a:t>
+              <a:t>2020/12/31</a:t>
             </a:fld>
             <a:endParaRPr lang="zh-CN" altLang="en-US"/>
           </a:p>
@@ -2075,7 +2081,7 @@
           <a:p>
             <a:fld id="{487F0F1B-5F91-4617-BC7B-DF0AFF7D346F}" type="datetimeFigureOut">
               <a:rPr lang="zh-CN" altLang="en-US" smtClean="0"/>
-              <a:t>2020/12/28</a:t>
+              <a:t>2020/12/31</a:t>
             </a:fld>
             <a:endParaRPr lang="zh-CN" altLang="en-US"/>
           </a:p>
@@ -2386,7 +2392,7 @@
           <a:p>
             <a:fld id="{487F0F1B-5F91-4617-BC7B-DF0AFF7D346F}" type="datetimeFigureOut">
               <a:rPr lang="zh-CN" altLang="en-US" smtClean="0"/>
-              <a:t>2020/12/28</a:t>
+              <a:t>2020/12/31</a:t>
             </a:fld>
             <a:endParaRPr lang="zh-CN" altLang="en-US"/>
           </a:p>
@@ -2674,7 +2680,7 @@
           <a:p>
             <a:fld id="{487F0F1B-5F91-4617-BC7B-DF0AFF7D346F}" type="datetimeFigureOut">
               <a:rPr lang="zh-CN" altLang="en-US" smtClean="0"/>
-              <a:t>2020/12/28</a:t>
+              <a:t>2020/12/31</a:t>
             </a:fld>
             <a:endParaRPr lang="zh-CN" altLang="en-US"/>
           </a:p>
@@ -2915,7 +2921,7 @@
           <a:p>
             <a:fld id="{487F0F1B-5F91-4617-BC7B-DF0AFF7D346F}" type="datetimeFigureOut">
               <a:rPr lang="zh-CN" altLang="en-US" smtClean="0"/>
-              <a:t>2020/12/28</a:t>
+              <a:t>2020/12/31</a:t>
             </a:fld>
             <a:endParaRPr lang="zh-CN" altLang="en-US"/>
           </a:p>
@@ -3395,6 +3401,3138 @@
 </p:sld>
 </file>
 
+<file path=ppt/slides/slide10.xml><?xml version="1.0" encoding="utf-8"?>
+<p:sld xmlns:a="http://schemas.openxmlformats.org/drawingml/2006/main" xmlns:r="http://schemas.openxmlformats.org/officeDocument/2006/relationships" xmlns:p="http://schemas.openxmlformats.org/presentationml/2006/main">
+  <p:cSld>
+    <p:spTree>
+      <p:nvGrpSpPr>
+        <p:cNvPr id="1" name=""/>
+        <p:cNvGrpSpPr/>
+        <p:nvPr/>
+      </p:nvGrpSpPr>
+      <p:grpSpPr>
+        <a:xfrm>
+          <a:off x="0" y="0"/>
+          <a:ext cx="0" cy="0"/>
+          <a:chOff x="0" y="0"/>
+          <a:chExt cx="0" cy="0"/>
+        </a:xfrm>
+      </p:grpSpPr>
+      <p:sp>
+        <p:nvSpPr>
+          <p:cNvPr id="2" name="标题 1">
+            <a:extLst>
+              <a:ext uri="{FF2B5EF4-FFF2-40B4-BE49-F238E27FC236}">
+                <a16:creationId xmlns:a16="http://schemas.microsoft.com/office/drawing/2014/main" id="{8299CC29-8FF7-419E-9742-15283D31FEE0}"/>
+              </a:ext>
+            </a:extLst>
+          </p:cNvPr>
+          <p:cNvSpPr>
+            <a:spLocks noGrp="1"/>
+          </p:cNvSpPr>
+          <p:nvPr>
+            <p:ph type="title"/>
+          </p:nvPr>
+        </p:nvSpPr>
+        <p:spPr/>
+        <p:txBody>
+          <a:bodyPr/>
+          <a:lstStyle/>
+          <a:p>
+            <a:r>
+              <a:rPr lang="zh-CN" altLang="en-US" dirty="0"/>
+              <a:t>往里填：递归就是状态变化</a:t>
+            </a:r>
+          </a:p>
+        </p:txBody>
+      </p:sp>
+      <p:pic>
+        <p:nvPicPr>
+          <p:cNvPr id="5" name="内容占位符 4">
+            <a:extLst>
+              <a:ext uri="{FF2B5EF4-FFF2-40B4-BE49-F238E27FC236}">
+                <a16:creationId xmlns:a16="http://schemas.microsoft.com/office/drawing/2014/main" id="{5AB9AAAF-AFFB-493E-AD93-93732542B78C}"/>
+              </a:ext>
+            </a:extLst>
+          </p:cNvPr>
+          <p:cNvPicPr>
+            <a:picLocks noGrp="1" noChangeAspect="1"/>
+          </p:cNvPicPr>
+          <p:nvPr>
+            <p:ph idx="1"/>
+          </p:nvPr>
+        </p:nvPicPr>
+        <p:blipFill>
+          <a:blip r:embed="rId2">
+            <a:extLst>
+              <a:ext uri="{28A0092B-C50C-407E-A947-70E740481C1C}">
+                <a14:useLocalDpi xmlns:a14="http://schemas.microsoft.com/office/drawing/2010/main" val="0"/>
+              </a:ext>
+            </a:extLst>
+          </a:blip>
+          <a:stretch>
+            <a:fillRect/>
+          </a:stretch>
+        </p:blipFill>
+        <p:spPr>
+          <a:xfrm>
+            <a:off x="957901" y="1690688"/>
+            <a:ext cx="5581650" cy="1476375"/>
+          </a:xfrm>
+        </p:spPr>
+      </p:pic>
+    </p:spTree>
+    <p:extLst>
+      <p:ext uri="{BB962C8B-B14F-4D97-AF65-F5344CB8AC3E}">
+        <p14:creationId xmlns:p14="http://schemas.microsoft.com/office/powerpoint/2010/main" val="610640687"/>
+      </p:ext>
+    </p:extLst>
+  </p:cSld>
+  <p:clrMapOvr>
+    <a:masterClrMapping/>
+  </p:clrMapOvr>
+</p:sld>
+</file>
+
+<file path=ppt/slides/slide11.xml><?xml version="1.0" encoding="utf-8"?>
+<p:sld xmlns:a="http://schemas.openxmlformats.org/drawingml/2006/main" xmlns:r="http://schemas.openxmlformats.org/officeDocument/2006/relationships" xmlns:p="http://schemas.openxmlformats.org/presentationml/2006/main">
+  <p:cSld>
+    <p:spTree>
+      <p:nvGrpSpPr>
+        <p:cNvPr id="1" name=""/>
+        <p:cNvGrpSpPr/>
+        <p:nvPr/>
+      </p:nvGrpSpPr>
+      <p:grpSpPr>
+        <a:xfrm>
+          <a:off x="0" y="0"/>
+          <a:ext cx="0" cy="0"/>
+          <a:chOff x="0" y="0"/>
+          <a:chExt cx="0" cy="0"/>
+        </a:xfrm>
+      </p:grpSpPr>
+      <p:sp>
+        <p:nvSpPr>
+          <p:cNvPr id="2" name="标题 1">
+            <a:extLst>
+              <a:ext uri="{FF2B5EF4-FFF2-40B4-BE49-F238E27FC236}">
+                <a16:creationId xmlns:a16="http://schemas.microsoft.com/office/drawing/2014/main" id="{5D835B59-7565-4D55-A79B-D09D911BBB79}"/>
+              </a:ext>
+            </a:extLst>
+          </p:cNvPr>
+          <p:cNvSpPr>
+            <a:spLocks noGrp="1"/>
+          </p:cNvSpPr>
+          <p:nvPr>
+            <p:ph type="title"/>
+          </p:nvPr>
+        </p:nvSpPr>
+        <p:spPr/>
+        <p:txBody>
+          <a:bodyPr/>
+          <a:lstStyle/>
+          <a:p>
+            <a:endParaRPr lang="zh-CN" altLang="en-US"/>
+          </a:p>
+        </p:txBody>
+      </p:sp>
+      <p:sp>
+        <p:nvSpPr>
+          <p:cNvPr id="3" name="内容占位符 2">
+            <a:extLst>
+              <a:ext uri="{FF2B5EF4-FFF2-40B4-BE49-F238E27FC236}">
+                <a16:creationId xmlns:a16="http://schemas.microsoft.com/office/drawing/2014/main" id="{75BB7AFB-D7A8-42E6-A359-047EE45479FF}"/>
+              </a:ext>
+            </a:extLst>
+          </p:cNvPr>
+          <p:cNvSpPr>
+            <a:spLocks noGrp="1"/>
+          </p:cNvSpPr>
+          <p:nvPr>
+            <p:ph idx="1"/>
+          </p:nvPr>
+        </p:nvSpPr>
+        <p:spPr/>
+        <p:txBody>
+          <a:bodyPr>
+            <a:normAutofit fontScale="77500" lnSpcReduction="20000"/>
+          </a:bodyPr>
+          <a:lstStyle/>
+          <a:p>
+            <a:r>
+              <a:rPr lang="en-US" altLang="zh-CN" dirty="0"/>
+              <a:t>bool isMatch4(string s, string p) {</a:t>
+            </a:r>
+          </a:p>
+          <a:p>
+            <a:r>
+              <a:rPr lang="en-US" altLang="zh-CN" dirty="0"/>
+              <a:t>    if(</a:t>
+            </a:r>
+            <a:r>
+              <a:rPr lang="en-US" altLang="zh-CN" dirty="0" err="1"/>
+              <a:t>p.empty</a:t>
+            </a:r>
+            <a:r>
+              <a:rPr lang="en-US" altLang="zh-CN" dirty="0"/>
+              <a:t>()) return </a:t>
+            </a:r>
+            <a:r>
+              <a:rPr lang="en-US" altLang="zh-CN" dirty="0" err="1"/>
+              <a:t>s.empty</a:t>
+            </a:r>
+            <a:r>
+              <a:rPr lang="en-US" altLang="zh-CN" dirty="0"/>
+              <a:t>();</a:t>
+            </a:r>
+          </a:p>
+          <a:p>
+            <a:r>
+              <a:rPr lang="en-US" altLang="zh-CN" dirty="0"/>
+              <a:t>    bool </a:t>
+            </a:r>
+            <a:r>
+              <a:rPr lang="en-US" altLang="zh-CN" dirty="0" err="1"/>
+              <a:t>first_match</a:t>
+            </a:r>
+            <a:r>
+              <a:rPr lang="en-US" altLang="zh-CN" dirty="0"/>
+              <a:t> = (!</a:t>
+            </a:r>
+            <a:r>
+              <a:rPr lang="en-US" altLang="zh-CN" dirty="0" err="1"/>
+              <a:t>s.empty</a:t>
+            </a:r>
+            <a:r>
+              <a:rPr lang="en-US" altLang="zh-CN" dirty="0"/>
+              <a:t>() &amp;&amp; (s[0] == p[0] || p[0] == '.'));</a:t>
+            </a:r>
+          </a:p>
+          <a:p>
+            <a:r>
+              <a:rPr lang="en-US" altLang="zh-CN" dirty="0"/>
+              <a:t>    if(</a:t>
+            </a:r>
+            <a:r>
+              <a:rPr lang="en-US" altLang="zh-CN" dirty="0" err="1"/>
+              <a:t>p.length</a:t>
+            </a:r>
+            <a:r>
+              <a:rPr lang="en-US" altLang="zh-CN" dirty="0"/>
+              <a:t>() &gt;= 2 &amp;&amp; p[1] == '*') {</a:t>
+            </a:r>
+          </a:p>
+          <a:p>
+            <a:r>
+              <a:rPr lang="en-US" altLang="zh-CN" dirty="0"/>
+              <a:t>        // </a:t>
+            </a:r>
+            <a:r>
+              <a:rPr lang="zh-CN" altLang="en-US" dirty="0"/>
+              <a:t>处理*通配符</a:t>
+            </a:r>
+          </a:p>
+          <a:p>
+            <a:r>
+              <a:rPr lang="zh-CN" altLang="en-US" dirty="0"/>
+              <a:t>        </a:t>
+            </a:r>
+            <a:r>
+              <a:rPr lang="en-US" altLang="zh-CN" dirty="0"/>
+              <a:t>return isMatch4(s, </a:t>
+            </a:r>
+            <a:r>
+              <a:rPr lang="en-US" altLang="zh-CN" dirty="0" err="1"/>
+              <a:t>p.substr</a:t>
+            </a:r>
+            <a:r>
+              <a:rPr lang="en-US" altLang="zh-CN" dirty="0"/>
+              <a:t>(2, </a:t>
+            </a:r>
+            <a:r>
+              <a:rPr lang="en-US" altLang="zh-CN" dirty="0" err="1"/>
+              <a:t>p.length</a:t>
+            </a:r>
+            <a:r>
+              <a:rPr lang="en-US" altLang="zh-CN" dirty="0"/>
+              <a:t>()-2)) || </a:t>
+            </a:r>
+          </a:p>
+          <a:p>
+            <a:r>
+              <a:rPr lang="en-US" altLang="zh-CN" dirty="0"/>
+              <a:t>                (</a:t>
+            </a:r>
+            <a:r>
+              <a:rPr lang="en-US" altLang="zh-CN" dirty="0" err="1"/>
+              <a:t>first_match</a:t>
+            </a:r>
+            <a:r>
+              <a:rPr lang="en-US" altLang="zh-CN" dirty="0"/>
+              <a:t> &amp;&amp; isMatch4(</a:t>
+            </a:r>
+            <a:r>
+              <a:rPr lang="en-US" altLang="zh-CN" dirty="0" err="1"/>
+              <a:t>s.substr</a:t>
+            </a:r>
+            <a:r>
+              <a:rPr lang="en-US" altLang="zh-CN" dirty="0"/>
+              <a:t>(1, </a:t>
+            </a:r>
+            <a:r>
+              <a:rPr lang="en-US" altLang="zh-CN" dirty="0" err="1"/>
+              <a:t>s.length</a:t>
+            </a:r>
+            <a:r>
+              <a:rPr lang="en-US" altLang="zh-CN" dirty="0"/>
+              <a:t>()-1), p));</a:t>
+            </a:r>
+          </a:p>
+          <a:p>
+            <a:r>
+              <a:rPr lang="en-US" altLang="zh-CN" dirty="0"/>
+              <a:t>    } </a:t>
+            </a:r>
+          </a:p>
+          <a:p>
+            <a:r>
+              <a:rPr lang="en-US" altLang="zh-CN" dirty="0"/>
+              <a:t>    else</a:t>
+            </a:r>
+          </a:p>
+          <a:p>
+            <a:r>
+              <a:rPr lang="en-US" altLang="zh-CN" dirty="0"/>
+              <a:t>        return </a:t>
+            </a:r>
+            <a:r>
+              <a:rPr lang="en-US" altLang="zh-CN" dirty="0" err="1"/>
+              <a:t>first_match</a:t>
+            </a:r>
+            <a:r>
+              <a:rPr lang="en-US" altLang="zh-CN" dirty="0"/>
+              <a:t> &amp;&amp; isMatch4(</a:t>
+            </a:r>
+            <a:r>
+              <a:rPr lang="en-US" altLang="zh-CN" dirty="0" err="1"/>
+              <a:t>s.substr</a:t>
+            </a:r>
+            <a:r>
+              <a:rPr lang="en-US" altLang="zh-CN" dirty="0"/>
+              <a:t>(1,s.size()-1), </a:t>
+            </a:r>
+            <a:r>
+              <a:rPr lang="en-US" altLang="zh-CN" dirty="0" err="1"/>
+              <a:t>p.substr</a:t>
+            </a:r>
+            <a:r>
+              <a:rPr lang="en-US" altLang="zh-CN" dirty="0"/>
+              <a:t>(1, </a:t>
+            </a:r>
+            <a:r>
+              <a:rPr lang="en-US" altLang="zh-CN" dirty="0" err="1"/>
+              <a:t>p.size</a:t>
+            </a:r>
+            <a:r>
+              <a:rPr lang="en-US" altLang="zh-CN" dirty="0"/>
+              <a:t>()-1));</a:t>
+            </a:r>
+          </a:p>
+          <a:p>
+            <a:r>
+              <a:rPr lang="en-US" altLang="zh-CN" dirty="0"/>
+              <a:t>}</a:t>
+            </a:r>
+          </a:p>
+          <a:p>
+            <a:endParaRPr lang="zh-CN" altLang="en-US" dirty="0"/>
+          </a:p>
+        </p:txBody>
+      </p:sp>
+    </p:spTree>
+    <p:extLst>
+      <p:ext uri="{BB962C8B-B14F-4D97-AF65-F5344CB8AC3E}">
+        <p14:creationId xmlns:p14="http://schemas.microsoft.com/office/powerpoint/2010/main" val="4281482113"/>
+      </p:ext>
+    </p:extLst>
+  </p:cSld>
+  <p:clrMapOvr>
+    <a:masterClrMapping/>
+  </p:clrMapOvr>
+</p:sld>
+</file>
+
+<file path=ppt/slides/slide12.xml><?xml version="1.0" encoding="utf-8"?>
+<p:sld xmlns:a="http://schemas.openxmlformats.org/drawingml/2006/main" xmlns:r="http://schemas.openxmlformats.org/officeDocument/2006/relationships" xmlns:p="http://schemas.openxmlformats.org/presentationml/2006/main">
+  <p:cSld>
+    <p:spTree>
+      <p:nvGrpSpPr>
+        <p:cNvPr id="1" name=""/>
+        <p:cNvGrpSpPr/>
+        <p:nvPr/>
+      </p:nvGrpSpPr>
+      <p:grpSpPr>
+        <a:xfrm>
+          <a:off x="0" y="0"/>
+          <a:ext cx="0" cy="0"/>
+          <a:chOff x="0" y="0"/>
+          <a:chExt cx="0" cy="0"/>
+        </a:xfrm>
+      </p:grpSpPr>
+      <p:sp>
+        <p:nvSpPr>
+          <p:cNvPr id="2" name="标题 1">
+            <a:extLst>
+              <a:ext uri="{FF2B5EF4-FFF2-40B4-BE49-F238E27FC236}">
+                <a16:creationId xmlns:a16="http://schemas.microsoft.com/office/drawing/2014/main" id="{1A9EA610-F6FB-4D65-BF39-59CC45D6E67C}"/>
+              </a:ext>
+            </a:extLst>
+          </p:cNvPr>
+          <p:cNvSpPr>
+            <a:spLocks noGrp="1"/>
+          </p:cNvSpPr>
+          <p:nvPr>
+            <p:ph type="title"/>
+          </p:nvPr>
+        </p:nvSpPr>
+        <p:spPr/>
+        <p:txBody>
+          <a:bodyPr/>
+          <a:lstStyle/>
+          <a:p>
+            <a:r>
+              <a:rPr lang="zh-CN" altLang="en-US" dirty="0"/>
+              <a:t>以上暴力递归完成</a:t>
+            </a:r>
+          </a:p>
+        </p:txBody>
+      </p:sp>
+      <p:sp>
+        <p:nvSpPr>
+          <p:cNvPr id="3" name="内容占位符 2">
+            <a:extLst>
+              <a:ext uri="{FF2B5EF4-FFF2-40B4-BE49-F238E27FC236}">
+                <a16:creationId xmlns:a16="http://schemas.microsoft.com/office/drawing/2014/main" id="{F28AC85D-6ECB-477D-A91F-76B7480DC146}"/>
+              </a:ext>
+            </a:extLst>
+          </p:cNvPr>
+          <p:cNvSpPr>
+            <a:spLocks noGrp="1"/>
+          </p:cNvSpPr>
+          <p:nvPr>
+            <p:ph idx="1"/>
+          </p:nvPr>
+        </p:nvSpPr>
+        <p:spPr/>
+        <p:txBody>
+          <a:bodyPr>
+            <a:normAutofit fontScale="62500" lnSpcReduction="20000"/>
+          </a:bodyPr>
+          <a:lstStyle/>
+          <a:p>
+            <a:r>
+              <a:rPr lang="en-US" altLang="zh-CN" b="0" dirty="0">
+                <a:solidFill>
+                  <a:srgbClr val="0000FF"/>
+                </a:solidFill>
+                <a:effectLst/>
+                <a:latin typeface="Consolas" panose="020B0609020204030204" pitchFamily="49" charset="0"/>
+              </a:rPr>
+              <a:t>class</a:t>
+            </a:r>
+            <a:r>
+              <a:rPr lang="en-US" altLang="zh-CN" b="0" dirty="0">
+                <a:solidFill>
+                  <a:srgbClr val="000000"/>
+                </a:solidFill>
+                <a:effectLst/>
+                <a:latin typeface="Consolas" panose="020B0609020204030204" pitchFamily="49" charset="0"/>
+              </a:rPr>
+              <a:t> Solution {</a:t>
+            </a:r>
+          </a:p>
+          <a:p>
+            <a:r>
+              <a:rPr lang="en-US" altLang="zh-CN" b="0" dirty="0">
+                <a:solidFill>
+                  <a:srgbClr val="0000FF"/>
+                </a:solidFill>
+                <a:effectLst/>
+                <a:latin typeface="Consolas" panose="020B0609020204030204" pitchFamily="49" charset="0"/>
+              </a:rPr>
+              <a:t>public</a:t>
+            </a:r>
+            <a:r>
+              <a:rPr lang="en-US" altLang="zh-CN" b="0" dirty="0">
+                <a:solidFill>
+                  <a:srgbClr val="000000"/>
+                </a:solidFill>
+                <a:effectLst/>
+                <a:latin typeface="Consolas" panose="020B0609020204030204" pitchFamily="49" charset="0"/>
+              </a:rPr>
+              <a:t>:</a:t>
+            </a:r>
+          </a:p>
+          <a:p>
+            <a:r>
+              <a:rPr lang="en-US" altLang="zh-CN" b="0" dirty="0">
+                <a:solidFill>
+                  <a:srgbClr val="000000"/>
+                </a:solidFill>
+                <a:effectLst/>
+                <a:latin typeface="Consolas" panose="020B0609020204030204" pitchFamily="49" charset="0"/>
+              </a:rPr>
+              <a:t>    </a:t>
+            </a:r>
+            <a:r>
+              <a:rPr lang="en-US" altLang="zh-CN" b="0" dirty="0">
+                <a:solidFill>
+                  <a:srgbClr val="0000FF"/>
+                </a:solidFill>
+                <a:effectLst/>
+                <a:latin typeface="Consolas" panose="020B0609020204030204" pitchFamily="49" charset="0"/>
+              </a:rPr>
+              <a:t>bool</a:t>
+            </a:r>
+            <a:r>
+              <a:rPr lang="en-US" altLang="zh-CN" b="0" dirty="0">
+                <a:solidFill>
+                  <a:srgbClr val="000000"/>
+                </a:solidFill>
+                <a:effectLst/>
+                <a:latin typeface="Consolas" panose="020B0609020204030204" pitchFamily="49" charset="0"/>
+              </a:rPr>
+              <a:t> </a:t>
+            </a:r>
+            <a:r>
+              <a:rPr lang="en-US" altLang="zh-CN" b="0" dirty="0" err="1">
+                <a:solidFill>
+                  <a:srgbClr val="000000"/>
+                </a:solidFill>
+                <a:effectLst/>
+                <a:latin typeface="Consolas" panose="020B0609020204030204" pitchFamily="49" charset="0"/>
+              </a:rPr>
+              <a:t>isMatch</a:t>
+            </a:r>
+            <a:r>
+              <a:rPr lang="en-US" altLang="zh-CN" b="0" dirty="0">
+                <a:solidFill>
+                  <a:srgbClr val="000000"/>
+                </a:solidFill>
+                <a:effectLst/>
+                <a:latin typeface="Consolas" panose="020B0609020204030204" pitchFamily="49" charset="0"/>
+              </a:rPr>
+              <a:t>(string s, string p) {</a:t>
+            </a:r>
+          </a:p>
+          <a:p>
+            <a:r>
+              <a:rPr lang="en-US" altLang="zh-CN" b="0" dirty="0">
+                <a:solidFill>
+                  <a:srgbClr val="000000"/>
+                </a:solidFill>
+                <a:effectLst/>
+                <a:latin typeface="Consolas" panose="020B0609020204030204" pitchFamily="49" charset="0"/>
+              </a:rPr>
+              <a:t>        </a:t>
+            </a:r>
+            <a:r>
+              <a:rPr lang="en-US" altLang="zh-CN" b="0" dirty="0">
+                <a:solidFill>
+                  <a:srgbClr val="0000FF"/>
+                </a:solidFill>
+                <a:effectLst/>
+                <a:latin typeface="Consolas" panose="020B0609020204030204" pitchFamily="49" charset="0"/>
+              </a:rPr>
+              <a:t>if</a:t>
+            </a:r>
+            <a:r>
+              <a:rPr lang="en-US" altLang="zh-CN" b="0" dirty="0">
+                <a:solidFill>
+                  <a:srgbClr val="000000"/>
+                </a:solidFill>
+                <a:effectLst/>
+                <a:latin typeface="Consolas" panose="020B0609020204030204" pitchFamily="49" charset="0"/>
+              </a:rPr>
+              <a:t>(</a:t>
+            </a:r>
+            <a:r>
+              <a:rPr lang="en-US" altLang="zh-CN" b="0" dirty="0" err="1">
+                <a:solidFill>
+                  <a:srgbClr val="000000"/>
+                </a:solidFill>
+                <a:effectLst/>
+                <a:latin typeface="Consolas" panose="020B0609020204030204" pitchFamily="49" charset="0"/>
+              </a:rPr>
+              <a:t>p.empty</a:t>
+            </a:r>
+            <a:r>
+              <a:rPr lang="en-US" altLang="zh-CN" b="0" dirty="0">
+                <a:solidFill>
+                  <a:srgbClr val="000000"/>
+                </a:solidFill>
+                <a:effectLst/>
+                <a:latin typeface="Consolas" panose="020B0609020204030204" pitchFamily="49" charset="0"/>
+              </a:rPr>
+              <a:t>()) </a:t>
+            </a:r>
+            <a:r>
+              <a:rPr lang="en-US" altLang="zh-CN" b="0" dirty="0">
+                <a:solidFill>
+                  <a:srgbClr val="0000FF"/>
+                </a:solidFill>
+                <a:effectLst/>
+                <a:latin typeface="Consolas" panose="020B0609020204030204" pitchFamily="49" charset="0"/>
+              </a:rPr>
+              <a:t>return</a:t>
+            </a:r>
+            <a:r>
+              <a:rPr lang="en-US" altLang="zh-CN" b="0" dirty="0">
+                <a:solidFill>
+                  <a:srgbClr val="000000"/>
+                </a:solidFill>
+                <a:effectLst/>
+                <a:latin typeface="Consolas" panose="020B0609020204030204" pitchFamily="49" charset="0"/>
+              </a:rPr>
+              <a:t> </a:t>
+            </a:r>
+            <a:r>
+              <a:rPr lang="en-US" altLang="zh-CN" b="0" dirty="0" err="1">
+                <a:solidFill>
+                  <a:srgbClr val="000000"/>
+                </a:solidFill>
+                <a:effectLst/>
+                <a:latin typeface="Consolas" panose="020B0609020204030204" pitchFamily="49" charset="0"/>
+              </a:rPr>
+              <a:t>s.empty</a:t>
+            </a:r>
+            <a:r>
+              <a:rPr lang="en-US" altLang="zh-CN" b="0" dirty="0">
+                <a:solidFill>
+                  <a:srgbClr val="000000"/>
+                </a:solidFill>
+                <a:effectLst/>
+                <a:latin typeface="Consolas" panose="020B0609020204030204" pitchFamily="49" charset="0"/>
+              </a:rPr>
+              <a:t>();</a:t>
+            </a:r>
+          </a:p>
+          <a:p>
+            <a:r>
+              <a:rPr lang="en-US" altLang="zh-CN" b="0" dirty="0">
+                <a:solidFill>
+                  <a:srgbClr val="000000"/>
+                </a:solidFill>
+                <a:effectLst/>
+                <a:latin typeface="Consolas" panose="020B0609020204030204" pitchFamily="49" charset="0"/>
+              </a:rPr>
+              <a:t>        </a:t>
+            </a:r>
+            <a:r>
+              <a:rPr lang="en-US" altLang="zh-CN" b="0" dirty="0">
+                <a:solidFill>
+                  <a:srgbClr val="0000FF"/>
+                </a:solidFill>
+                <a:effectLst/>
+                <a:latin typeface="Consolas" panose="020B0609020204030204" pitchFamily="49" charset="0"/>
+              </a:rPr>
+              <a:t>bool</a:t>
+            </a:r>
+            <a:r>
+              <a:rPr lang="en-US" altLang="zh-CN" b="0" dirty="0">
+                <a:solidFill>
+                  <a:srgbClr val="000000"/>
+                </a:solidFill>
+                <a:effectLst/>
+                <a:latin typeface="Consolas" panose="020B0609020204030204" pitchFamily="49" charset="0"/>
+              </a:rPr>
+              <a:t> </a:t>
+            </a:r>
+            <a:r>
+              <a:rPr lang="en-US" altLang="zh-CN" b="0" dirty="0" err="1">
+                <a:solidFill>
+                  <a:srgbClr val="000000"/>
+                </a:solidFill>
+                <a:effectLst/>
+                <a:latin typeface="Consolas" panose="020B0609020204030204" pitchFamily="49" charset="0"/>
+              </a:rPr>
+              <a:t>first_match</a:t>
+            </a:r>
+            <a:r>
+              <a:rPr lang="en-US" altLang="zh-CN" b="0" dirty="0">
+                <a:solidFill>
+                  <a:srgbClr val="000000"/>
+                </a:solidFill>
+                <a:effectLst/>
+                <a:latin typeface="Consolas" panose="020B0609020204030204" pitchFamily="49" charset="0"/>
+              </a:rPr>
+              <a:t> = !</a:t>
+            </a:r>
+            <a:r>
+              <a:rPr lang="en-US" altLang="zh-CN" b="0" dirty="0" err="1">
+                <a:solidFill>
+                  <a:srgbClr val="000000"/>
+                </a:solidFill>
+                <a:effectLst/>
+                <a:latin typeface="Consolas" panose="020B0609020204030204" pitchFamily="49" charset="0"/>
+              </a:rPr>
+              <a:t>s.empty</a:t>
+            </a:r>
+            <a:r>
+              <a:rPr lang="en-US" altLang="zh-CN" b="0" dirty="0">
+                <a:solidFill>
+                  <a:srgbClr val="000000"/>
+                </a:solidFill>
+                <a:effectLst/>
+                <a:latin typeface="Consolas" panose="020B0609020204030204" pitchFamily="49" charset="0"/>
+              </a:rPr>
+              <a:t>() &amp;&amp; (s[</a:t>
+            </a:r>
+            <a:r>
+              <a:rPr lang="en-US" altLang="zh-CN" b="0" dirty="0">
+                <a:solidFill>
+                  <a:srgbClr val="09885A"/>
+                </a:solidFill>
+                <a:effectLst/>
+                <a:latin typeface="Consolas" panose="020B0609020204030204" pitchFamily="49" charset="0"/>
+              </a:rPr>
+              <a:t>0</a:t>
+            </a:r>
+            <a:r>
+              <a:rPr lang="en-US" altLang="zh-CN" b="0" dirty="0">
+                <a:solidFill>
+                  <a:srgbClr val="000000"/>
+                </a:solidFill>
+                <a:effectLst/>
+                <a:latin typeface="Consolas" panose="020B0609020204030204" pitchFamily="49" charset="0"/>
+              </a:rPr>
+              <a:t>] == p[</a:t>
+            </a:r>
+            <a:r>
+              <a:rPr lang="en-US" altLang="zh-CN" b="0" dirty="0">
+                <a:solidFill>
+                  <a:srgbClr val="09885A"/>
+                </a:solidFill>
+                <a:effectLst/>
+                <a:latin typeface="Consolas" panose="020B0609020204030204" pitchFamily="49" charset="0"/>
+              </a:rPr>
+              <a:t>0</a:t>
+            </a:r>
+            <a:r>
+              <a:rPr lang="en-US" altLang="zh-CN" b="0" dirty="0">
+                <a:solidFill>
+                  <a:srgbClr val="000000"/>
+                </a:solidFill>
+                <a:effectLst/>
+                <a:latin typeface="Consolas" panose="020B0609020204030204" pitchFamily="49" charset="0"/>
+              </a:rPr>
+              <a:t>] || p[</a:t>
+            </a:r>
+            <a:r>
+              <a:rPr lang="en-US" altLang="zh-CN" b="0" dirty="0">
+                <a:solidFill>
+                  <a:srgbClr val="09885A"/>
+                </a:solidFill>
+                <a:effectLst/>
+                <a:latin typeface="Consolas" panose="020B0609020204030204" pitchFamily="49" charset="0"/>
+              </a:rPr>
+              <a:t>0</a:t>
+            </a:r>
+            <a:r>
+              <a:rPr lang="en-US" altLang="zh-CN" b="0" dirty="0">
+                <a:solidFill>
+                  <a:srgbClr val="000000"/>
+                </a:solidFill>
+                <a:effectLst/>
+                <a:latin typeface="Consolas" panose="020B0609020204030204" pitchFamily="49" charset="0"/>
+              </a:rPr>
+              <a:t>] == </a:t>
+            </a:r>
+            <a:r>
+              <a:rPr lang="en-US" altLang="zh-CN" b="0" dirty="0">
+                <a:solidFill>
+                  <a:srgbClr val="A31515"/>
+                </a:solidFill>
+                <a:effectLst/>
+                <a:latin typeface="Consolas" panose="020B0609020204030204" pitchFamily="49" charset="0"/>
+              </a:rPr>
+              <a:t>'.'</a:t>
+            </a:r>
+            <a:r>
+              <a:rPr lang="en-US" altLang="zh-CN" b="0" dirty="0">
+                <a:solidFill>
+                  <a:srgbClr val="000000"/>
+                </a:solidFill>
+                <a:effectLst/>
+                <a:latin typeface="Consolas" panose="020B0609020204030204" pitchFamily="49" charset="0"/>
+              </a:rPr>
+              <a:t>);</a:t>
+            </a:r>
+          </a:p>
+          <a:p>
+            <a:r>
+              <a:rPr lang="en-US" altLang="zh-CN" b="0" dirty="0">
+                <a:solidFill>
+                  <a:srgbClr val="000000"/>
+                </a:solidFill>
+                <a:effectLst/>
+                <a:latin typeface="Consolas" panose="020B0609020204030204" pitchFamily="49" charset="0"/>
+              </a:rPr>
+              <a:t>        </a:t>
+            </a:r>
+            <a:r>
+              <a:rPr lang="en-US" altLang="zh-CN" b="0" dirty="0">
+                <a:solidFill>
+                  <a:srgbClr val="0000FF"/>
+                </a:solidFill>
+                <a:effectLst/>
+                <a:latin typeface="Consolas" panose="020B0609020204030204" pitchFamily="49" charset="0"/>
+              </a:rPr>
+              <a:t>if</a:t>
+            </a:r>
+            <a:r>
+              <a:rPr lang="en-US" altLang="zh-CN" b="0" dirty="0">
+                <a:solidFill>
+                  <a:srgbClr val="000000"/>
+                </a:solidFill>
+                <a:effectLst/>
+                <a:latin typeface="Consolas" panose="020B0609020204030204" pitchFamily="49" charset="0"/>
+              </a:rPr>
+              <a:t>(</a:t>
+            </a:r>
+            <a:r>
+              <a:rPr lang="en-US" altLang="zh-CN" b="0" dirty="0" err="1">
+                <a:solidFill>
+                  <a:srgbClr val="000000"/>
+                </a:solidFill>
+                <a:effectLst/>
+                <a:latin typeface="Consolas" panose="020B0609020204030204" pitchFamily="49" charset="0"/>
+              </a:rPr>
+              <a:t>p.length</a:t>
+            </a:r>
+            <a:r>
+              <a:rPr lang="en-US" altLang="zh-CN" b="0" dirty="0">
+                <a:solidFill>
+                  <a:srgbClr val="000000"/>
+                </a:solidFill>
+                <a:effectLst/>
+                <a:latin typeface="Consolas" panose="020B0609020204030204" pitchFamily="49" charset="0"/>
+              </a:rPr>
+              <a:t>() &gt;= </a:t>
+            </a:r>
+            <a:r>
+              <a:rPr lang="en-US" altLang="zh-CN" b="0" dirty="0">
+                <a:solidFill>
+                  <a:srgbClr val="09885A"/>
+                </a:solidFill>
+                <a:effectLst/>
+                <a:latin typeface="Consolas" panose="020B0609020204030204" pitchFamily="49" charset="0"/>
+              </a:rPr>
+              <a:t>2</a:t>
+            </a:r>
+            <a:r>
+              <a:rPr lang="en-US" altLang="zh-CN" b="0" dirty="0">
+                <a:solidFill>
+                  <a:srgbClr val="000000"/>
+                </a:solidFill>
+                <a:effectLst/>
+                <a:latin typeface="Consolas" panose="020B0609020204030204" pitchFamily="49" charset="0"/>
+              </a:rPr>
+              <a:t> &amp;&amp; p[</a:t>
+            </a:r>
+            <a:r>
+              <a:rPr lang="en-US" altLang="zh-CN" b="0" dirty="0">
+                <a:solidFill>
+                  <a:srgbClr val="09885A"/>
+                </a:solidFill>
+                <a:effectLst/>
+                <a:latin typeface="Consolas" panose="020B0609020204030204" pitchFamily="49" charset="0"/>
+              </a:rPr>
+              <a:t>1</a:t>
+            </a:r>
+            <a:r>
+              <a:rPr lang="en-US" altLang="zh-CN" b="0" dirty="0">
+                <a:solidFill>
+                  <a:srgbClr val="000000"/>
+                </a:solidFill>
+                <a:effectLst/>
+                <a:latin typeface="Consolas" panose="020B0609020204030204" pitchFamily="49" charset="0"/>
+              </a:rPr>
+              <a:t>] == </a:t>
+            </a:r>
+            <a:r>
+              <a:rPr lang="en-US" altLang="zh-CN" b="0" dirty="0">
+                <a:solidFill>
+                  <a:srgbClr val="A31515"/>
+                </a:solidFill>
+                <a:effectLst/>
+                <a:latin typeface="Consolas" panose="020B0609020204030204" pitchFamily="49" charset="0"/>
+              </a:rPr>
+              <a:t>'*'</a:t>
+            </a:r>
+            <a:r>
+              <a:rPr lang="en-US" altLang="zh-CN" b="0" dirty="0">
+                <a:solidFill>
+                  <a:srgbClr val="000000"/>
+                </a:solidFill>
+                <a:effectLst/>
+                <a:latin typeface="Consolas" panose="020B0609020204030204" pitchFamily="49" charset="0"/>
+              </a:rPr>
+              <a:t>) {</a:t>
+            </a:r>
+          </a:p>
+          <a:p>
+            <a:r>
+              <a:rPr lang="en-US" altLang="zh-CN" b="0" dirty="0">
+                <a:solidFill>
+                  <a:srgbClr val="000000"/>
+                </a:solidFill>
+                <a:effectLst/>
+                <a:latin typeface="Consolas" panose="020B0609020204030204" pitchFamily="49" charset="0"/>
+              </a:rPr>
+              <a:t>            </a:t>
+            </a:r>
+            <a:r>
+              <a:rPr lang="en-US" altLang="zh-CN" b="0" dirty="0">
+                <a:solidFill>
+                  <a:srgbClr val="0000FF"/>
+                </a:solidFill>
+                <a:effectLst/>
+                <a:latin typeface="Consolas" panose="020B0609020204030204" pitchFamily="49" charset="0"/>
+              </a:rPr>
+              <a:t>return</a:t>
+            </a:r>
+            <a:r>
+              <a:rPr lang="en-US" altLang="zh-CN" b="0" dirty="0">
+                <a:solidFill>
+                  <a:srgbClr val="000000"/>
+                </a:solidFill>
+                <a:effectLst/>
+                <a:latin typeface="Consolas" panose="020B0609020204030204" pitchFamily="49" charset="0"/>
+              </a:rPr>
+              <a:t> </a:t>
+            </a:r>
+            <a:r>
+              <a:rPr lang="en-US" altLang="zh-CN" b="0" dirty="0" err="1">
+                <a:solidFill>
+                  <a:srgbClr val="000000"/>
+                </a:solidFill>
+                <a:effectLst/>
+                <a:latin typeface="Consolas" panose="020B0609020204030204" pitchFamily="49" charset="0"/>
+              </a:rPr>
+              <a:t>isMatch</a:t>
+            </a:r>
+            <a:r>
+              <a:rPr lang="en-US" altLang="zh-CN" b="0" dirty="0">
+                <a:solidFill>
+                  <a:srgbClr val="000000"/>
+                </a:solidFill>
+                <a:effectLst/>
+                <a:latin typeface="Consolas" panose="020B0609020204030204" pitchFamily="49" charset="0"/>
+              </a:rPr>
+              <a:t>(s,  </a:t>
+            </a:r>
+            <a:r>
+              <a:rPr lang="en-US" altLang="zh-CN" b="0" dirty="0" err="1">
+                <a:solidFill>
+                  <a:srgbClr val="000000"/>
+                </a:solidFill>
+                <a:effectLst/>
+                <a:latin typeface="Consolas" panose="020B0609020204030204" pitchFamily="49" charset="0"/>
+              </a:rPr>
+              <a:t>p.substr</a:t>
+            </a:r>
+            <a:r>
+              <a:rPr lang="en-US" altLang="zh-CN" b="0" dirty="0">
+                <a:solidFill>
+                  <a:srgbClr val="000000"/>
+                </a:solidFill>
+                <a:effectLst/>
+                <a:latin typeface="Consolas" panose="020B0609020204030204" pitchFamily="49" charset="0"/>
+              </a:rPr>
+              <a:t>(</a:t>
+            </a:r>
+            <a:r>
+              <a:rPr lang="en-US" altLang="zh-CN" b="0" dirty="0">
+                <a:solidFill>
+                  <a:srgbClr val="09885A"/>
+                </a:solidFill>
+                <a:effectLst/>
+                <a:latin typeface="Consolas" panose="020B0609020204030204" pitchFamily="49" charset="0"/>
+              </a:rPr>
+              <a:t>2</a:t>
+            </a:r>
+            <a:r>
+              <a:rPr lang="en-US" altLang="zh-CN" b="0" dirty="0">
+                <a:solidFill>
+                  <a:srgbClr val="000000"/>
+                </a:solidFill>
+                <a:effectLst/>
+                <a:latin typeface="Consolas" panose="020B0609020204030204" pitchFamily="49" charset="0"/>
+              </a:rPr>
+              <a:t>, </a:t>
+            </a:r>
+            <a:r>
+              <a:rPr lang="en-US" altLang="zh-CN" b="0" dirty="0" err="1">
+                <a:solidFill>
+                  <a:srgbClr val="000000"/>
+                </a:solidFill>
+                <a:effectLst/>
+                <a:latin typeface="Consolas" panose="020B0609020204030204" pitchFamily="49" charset="0"/>
+              </a:rPr>
+              <a:t>p.length</a:t>
+            </a:r>
+            <a:r>
+              <a:rPr lang="en-US" altLang="zh-CN" b="0" dirty="0">
+                <a:solidFill>
+                  <a:srgbClr val="000000"/>
+                </a:solidFill>
+                <a:effectLst/>
+                <a:latin typeface="Consolas" panose="020B0609020204030204" pitchFamily="49" charset="0"/>
+              </a:rPr>
+              <a:t>()-</a:t>
+            </a:r>
+            <a:r>
+              <a:rPr lang="en-US" altLang="zh-CN" b="0" dirty="0">
+                <a:solidFill>
+                  <a:srgbClr val="09885A"/>
+                </a:solidFill>
+                <a:effectLst/>
+                <a:latin typeface="Consolas" panose="020B0609020204030204" pitchFamily="49" charset="0"/>
+              </a:rPr>
+              <a:t>2</a:t>
+            </a:r>
+            <a:r>
+              <a:rPr lang="en-US" altLang="zh-CN" b="0" dirty="0">
+                <a:solidFill>
+                  <a:srgbClr val="000000"/>
+                </a:solidFill>
+                <a:effectLst/>
+                <a:latin typeface="Consolas" panose="020B0609020204030204" pitchFamily="49" charset="0"/>
+              </a:rPr>
+              <a:t>)) ||</a:t>
+            </a:r>
+          </a:p>
+          <a:p>
+            <a:r>
+              <a:rPr lang="en-US" altLang="zh-CN" b="0" dirty="0">
+                <a:solidFill>
+                  <a:srgbClr val="000000"/>
+                </a:solidFill>
+                <a:effectLst/>
+                <a:latin typeface="Consolas" panose="020B0609020204030204" pitchFamily="49" charset="0"/>
+              </a:rPr>
+              <a:t>                (</a:t>
+            </a:r>
+            <a:r>
+              <a:rPr lang="en-US" altLang="zh-CN" b="0" dirty="0" err="1">
+                <a:solidFill>
+                  <a:srgbClr val="000000"/>
+                </a:solidFill>
+                <a:effectLst/>
+                <a:latin typeface="Consolas" panose="020B0609020204030204" pitchFamily="49" charset="0"/>
+              </a:rPr>
+              <a:t>first_match</a:t>
+            </a:r>
+            <a:r>
+              <a:rPr lang="en-US" altLang="zh-CN" b="0" dirty="0">
+                <a:solidFill>
+                  <a:srgbClr val="000000"/>
+                </a:solidFill>
+                <a:effectLst/>
+                <a:latin typeface="Consolas" panose="020B0609020204030204" pitchFamily="49" charset="0"/>
+              </a:rPr>
+              <a:t> &amp;&amp; </a:t>
+            </a:r>
+            <a:r>
+              <a:rPr lang="en-US" altLang="zh-CN" b="0" dirty="0" err="1">
+                <a:solidFill>
+                  <a:srgbClr val="000000"/>
+                </a:solidFill>
+                <a:effectLst/>
+                <a:latin typeface="Consolas" panose="020B0609020204030204" pitchFamily="49" charset="0"/>
+              </a:rPr>
+              <a:t>isMatch</a:t>
+            </a:r>
+            <a:r>
+              <a:rPr lang="en-US" altLang="zh-CN" b="0" dirty="0">
+                <a:solidFill>
+                  <a:srgbClr val="000000"/>
+                </a:solidFill>
+                <a:effectLst/>
+                <a:latin typeface="Consolas" panose="020B0609020204030204" pitchFamily="49" charset="0"/>
+              </a:rPr>
+              <a:t>(</a:t>
+            </a:r>
+            <a:r>
+              <a:rPr lang="en-US" altLang="zh-CN" b="0" dirty="0" err="1">
+                <a:solidFill>
+                  <a:srgbClr val="000000"/>
+                </a:solidFill>
+                <a:effectLst/>
+                <a:latin typeface="Consolas" panose="020B0609020204030204" pitchFamily="49" charset="0"/>
+              </a:rPr>
+              <a:t>s.substr</a:t>
+            </a:r>
+            <a:r>
+              <a:rPr lang="en-US" altLang="zh-CN" b="0" dirty="0">
+                <a:solidFill>
+                  <a:srgbClr val="000000"/>
+                </a:solidFill>
+                <a:effectLst/>
+                <a:latin typeface="Consolas" panose="020B0609020204030204" pitchFamily="49" charset="0"/>
+              </a:rPr>
+              <a:t>(</a:t>
+            </a:r>
+            <a:r>
+              <a:rPr lang="en-US" altLang="zh-CN" b="0" dirty="0">
+                <a:solidFill>
+                  <a:srgbClr val="09885A"/>
+                </a:solidFill>
+                <a:effectLst/>
+                <a:latin typeface="Consolas" panose="020B0609020204030204" pitchFamily="49" charset="0"/>
+              </a:rPr>
+              <a:t>1</a:t>
+            </a:r>
+            <a:r>
+              <a:rPr lang="en-US" altLang="zh-CN" b="0" dirty="0">
+                <a:solidFill>
+                  <a:srgbClr val="000000"/>
+                </a:solidFill>
+                <a:effectLst/>
+                <a:latin typeface="Consolas" panose="020B0609020204030204" pitchFamily="49" charset="0"/>
+              </a:rPr>
+              <a:t>, </a:t>
+            </a:r>
+            <a:r>
+              <a:rPr lang="en-US" altLang="zh-CN" b="0" dirty="0" err="1">
+                <a:solidFill>
+                  <a:srgbClr val="000000"/>
+                </a:solidFill>
+                <a:effectLst/>
+                <a:latin typeface="Consolas" panose="020B0609020204030204" pitchFamily="49" charset="0"/>
+              </a:rPr>
+              <a:t>s.length</a:t>
+            </a:r>
+            <a:r>
+              <a:rPr lang="en-US" altLang="zh-CN" b="0" dirty="0">
+                <a:solidFill>
+                  <a:srgbClr val="000000"/>
+                </a:solidFill>
+                <a:effectLst/>
+                <a:latin typeface="Consolas" panose="020B0609020204030204" pitchFamily="49" charset="0"/>
+              </a:rPr>
+              <a:t>()-</a:t>
+            </a:r>
+            <a:r>
+              <a:rPr lang="en-US" altLang="zh-CN" b="0" dirty="0">
+                <a:solidFill>
+                  <a:srgbClr val="09885A"/>
+                </a:solidFill>
+                <a:effectLst/>
+                <a:latin typeface="Consolas" panose="020B0609020204030204" pitchFamily="49" charset="0"/>
+              </a:rPr>
+              <a:t>1</a:t>
+            </a:r>
+            <a:r>
+              <a:rPr lang="en-US" altLang="zh-CN" b="0" dirty="0">
+                <a:solidFill>
+                  <a:srgbClr val="000000"/>
+                </a:solidFill>
+                <a:effectLst/>
+                <a:latin typeface="Consolas" panose="020B0609020204030204" pitchFamily="49" charset="0"/>
+              </a:rPr>
+              <a:t>), p));</a:t>
+            </a:r>
+          </a:p>
+          <a:p>
+            <a:r>
+              <a:rPr lang="en-US" altLang="zh-CN" b="0" dirty="0">
+                <a:solidFill>
+                  <a:srgbClr val="000000"/>
+                </a:solidFill>
+                <a:effectLst/>
+                <a:latin typeface="Consolas" panose="020B0609020204030204" pitchFamily="49" charset="0"/>
+              </a:rPr>
+              <a:t>        }</a:t>
+            </a:r>
+          </a:p>
+          <a:p>
+            <a:r>
+              <a:rPr lang="en-US" altLang="zh-CN" b="0" dirty="0">
+                <a:solidFill>
+                  <a:srgbClr val="000000"/>
+                </a:solidFill>
+                <a:effectLst/>
+                <a:latin typeface="Consolas" panose="020B0609020204030204" pitchFamily="49" charset="0"/>
+              </a:rPr>
+              <a:t>        </a:t>
+            </a:r>
+            <a:r>
+              <a:rPr lang="en-US" altLang="zh-CN" b="0" dirty="0">
+                <a:solidFill>
+                  <a:srgbClr val="0000FF"/>
+                </a:solidFill>
+                <a:effectLst/>
+                <a:latin typeface="Consolas" panose="020B0609020204030204" pitchFamily="49" charset="0"/>
+              </a:rPr>
+              <a:t>else</a:t>
+            </a:r>
+            <a:endParaRPr lang="en-US" altLang="zh-CN" b="0" dirty="0">
+              <a:solidFill>
+                <a:srgbClr val="000000"/>
+              </a:solidFill>
+              <a:effectLst/>
+              <a:latin typeface="Consolas" panose="020B0609020204030204" pitchFamily="49" charset="0"/>
+            </a:endParaRPr>
+          </a:p>
+          <a:p>
+            <a:r>
+              <a:rPr lang="en-US" altLang="zh-CN" b="0" dirty="0">
+                <a:solidFill>
+                  <a:srgbClr val="000000"/>
+                </a:solidFill>
+                <a:effectLst/>
+                <a:latin typeface="Consolas" panose="020B0609020204030204" pitchFamily="49" charset="0"/>
+              </a:rPr>
+              <a:t>            </a:t>
+            </a:r>
+            <a:r>
+              <a:rPr lang="en-US" altLang="zh-CN" b="0" dirty="0">
+                <a:solidFill>
+                  <a:srgbClr val="0000FF"/>
+                </a:solidFill>
+                <a:effectLst/>
+                <a:latin typeface="Consolas" panose="020B0609020204030204" pitchFamily="49" charset="0"/>
+              </a:rPr>
+              <a:t>return</a:t>
+            </a:r>
+            <a:r>
+              <a:rPr lang="en-US" altLang="zh-CN" b="0" dirty="0">
+                <a:solidFill>
+                  <a:srgbClr val="000000"/>
+                </a:solidFill>
+                <a:effectLst/>
+                <a:latin typeface="Consolas" panose="020B0609020204030204" pitchFamily="49" charset="0"/>
+              </a:rPr>
+              <a:t> </a:t>
+            </a:r>
+            <a:r>
+              <a:rPr lang="en-US" altLang="zh-CN" b="0" dirty="0" err="1">
+                <a:solidFill>
+                  <a:srgbClr val="000000"/>
+                </a:solidFill>
+                <a:effectLst/>
+                <a:latin typeface="Consolas" panose="020B0609020204030204" pitchFamily="49" charset="0"/>
+              </a:rPr>
+              <a:t>first_match</a:t>
+            </a:r>
+            <a:r>
+              <a:rPr lang="en-US" altLang="zh-CN" b="0" dirty="0">
+                <a:solidFill>
+                  <a:srgbClr val="000000"/>
+                </a:solidFill>
+                <a:effectLst/>
+                <a:latin typeface="Consolas" panose="020B0609020204030204" pitchFamily="49" charset="0"/>
+              </a:rPr>
+              <a:t> &amp;&amp; </a:t>
+            </a:r>
+            <a:r>
+              <a:rPr lang="en-US" altLang="zh-CN" b="0" dirty="0" err="1">
+                <a:solidFill>
+                  <a:srgbClr val="000000"/>
+                </a:solidFill>
+                <a:effectLst/>
+                <a:latin typeface="Consolas" panose="020B0609020204030204" pitchFamily="49" charset="0"/>
+              </a:rPr>
+              <a:t>isMatch</a:t>
+            </a:r>
+            <a:r>
+              <a:rPr lang="en-US" altLang="zh-CN" b="0" dirty="0">
+                <a:solidFill>
+                  <a:srgbClr val="000000"/>
+                </a:solidFill>
+                <a:effectLst/>
+                <a:latin typeface="Consolas" panose="020B0609020204030204" pitchFamily="49" charset="0"/>
+              </a:rPr>
+              <a:t>(</a:t>
+            </a:r>
+            <a:r>
+              <a:rPr lang="en-US" altLang="zh-CN" b="0" dirty="0" err="1">
+                <a:solidFill>
+                  <a:srgbClr val="000000"/>
+                </a:solidFill>
+                <a:effectLst/>
+                <a:latin typeface="Consolas" panose="020B0609020204030204" pitchFamily="49" charset="0"/>
+              </a:rPr>
+              <a:t>s.substr</a:t>
+            </a:r>
+            <a:r>
+              <a:rPr lang="en-US" altLang="zh-CN" b="0" dirty="0">
+                <a:solidFill>
+                  <a:srgbClr val="000000"/>
+                </a:solidFill>
+                <a:effectLst/>
+                <a:latin typeface="Consolas" panose="020B0609020204030204" pitchFamily="49" charset="0"/>
+              </a:rPr>
+              <a:t>(</a:t>
+            </a:r>
+            <a:r>
+              <a:rPr lang="en-US" altLang="zh-CN" b="0" dirty="0">
+                <a:solidFill>
+                  <a:srgbClr val="09885A"/>
+                </a:solidFill>
+                <a:effectLst/>
+                <a:latin typeface="Consolas" panose="020B0609020204030204" pitchFamily="49" charset="0"/>
+              </a:rPr>
+              <a:t>1</a:t>
+            </a:r>
+            <a:r>
+              <a:rPr lang="en-US" altLang="zh-CN" b="0" dirty="0">
+                <a:solidFill>
+                  <a:srgbClr val="000000"/>
+                </a:solidFill>
+                <a:effectLst/>
+                <a:latin typeface="Consolas" panose="020B0609020204030204" pitchFamily="49" charset="0"/>
+              </a:rPr>
+              <a:t>, </a:t>
+            </a:r>
+            <a:r>
+              <a:rPr lang="en-US" altLang="zh-CN" b="0" dirty="0" err="1">
+                <a:solidFill>
+                  <a:srgbClr val="000000"/>
+                </a:solidFill>
+                <a:effectLst/>
+                <a:latin typeface="Consolas" panose="020B0609020204030204" pitchFamily="49" charset="0"/>
+              </a:rPr>
+              <a:t>s.length</a:t>
+            </a:r>
+            <a:r>
+              <a:rPr lang="en-US" altLang="zh-CN" b="0" dirty="0">
+                <a:solidFill>
+                  <a:srgbClr val="000000"/>
+                </a:solidFill>
+                <a:effectLst/>
+                <a:latin typeface="Consolas" panose="020B0609020204030204" pitchFamily="49" charset="0"/>
+              </a:rPr>
+              <a:t>()-</a:t>
+            </a:r>
+            <a:r>
+              <a:rPr lang="en-US" altLang="zh-CN" b="0" dirty="0">
+                <a:solidFill>
+                  <a:srgbClr val="09885A"/>
+                </a:solidFill>
+                <a:effectLst/>
+                <a:latin typeface="Consolas" panose="020B0609020204030204" pitchFamily="49" charset="0"/>
+              </a:rPr>
+              <a:t>1</a:t>
+            </a:r>
+            <a:r>
+              <a:rPr lang="en-US" altLang="zh-CN" b="0" dirty="0">
+                <a:solidFill>
+                  <a:srgbClr val="000000"/>
+                </a:solidFill>
+                <a:effectLst/>
+                <a:latin typeface="Consolas" panose="020B0609020204030204" pitchFamily="49" charset="0"/>
+              </a:rPr>
+              <a:t>), </a:t>
+            </a:r>
+            <a:r>
+              <a:rPr lang="en-US" altLang="zh-CN" b="0" dirty="0" err="1">
+                <a:solidFill>
+                  <a:srgbClr val="000000"/>
+                </a:solidFill>
+                <a:effectLst/>
+                <a:latin typeface="Consolas" panose="020B0609020204030204" pitchFamily="49" charset="0"/>
+              </a:rPr>
+              <a:t>p.substr</a:t>
+            </a:r>
+            <a:r>
+              <a:rPr lang="en-US" altLang="zh-CN" b="0" dirty="0">
+                <a:solidFill>
+                  <a:srgbClr val="000000"/>
+                </a:solidFill>
+                <a:effectLst/>
+                <a:latin typeface="Consolas" panose="020B0609020204030204" pitchFamily="49" charset="0"/>
+              </a:rPr>
+              <a:t>(</a:t>
+            </a:r>
+            <a:r>
+              <a:rPr lang="en-US" altLang="zh-CN" b="0" dirty="0">
+                <a:solidFill>
+                  <a:srgbClr val="09885A"/>
+                </a:solidFill>
+                <a:effectLst/>
+                <a:latin typeface="Consolas" panose="020B0609020204030204" pitchFamily="49" charset="0"/>
+              </a:rPr>
+              <a:t>1</a:t>
+            </a:r>
+            <a:r>
+              <a:rPr lang="en-US" altLang="zh-CN" b="0" dirty="0">
+                <a:solidFill>
+                  <a:srgbClr val="000000"/>
+                </a:solidFill>
+                <a:effectLst/>
+                <a:latin typeface="Consolas" panose="020B0609020204030204" pitchFamily="49" charset="0"/>
+              </a:rPr>
+              <a:t>, </a:t>
+            </a:r>
+            <a:r>
+              <a:rPr lang="en-US" altLang="zh-CN" b="0" dirty="0" err="1">
+                <a:solidFill>
+                  <a:srgbClr val="000000"/>
+                </a:solidFill>
+                <a:effectLst/>
+                <a:latin typeface="Consolas" panose="020B0609020204030204" pitchFamily="49" charset="0"/>
+              </a:rPr>
+              <a:t>p.length</a:t>
+            </a:r>
+            <a:r>
+              <a:rPr lang="en-US" altLang="zh-CN" b="0" dirty="0">
+                <a:solidFill>
+                  <a:srgbClr val="000000"/>
+                </a:solidFill>
+                <a:effectLst/>
+                <a:latin typeface="Consolas" panose="020B0609020204030204" pitchFamily="49" charset="0"/>
+              </a:rPr>
+              <a:t>()-</a:t>
+            </a:r>
+            <a:r>
+              <a:rPr lang="en-US" altLang="zh-CN" b="0" dirty="0">
+                <a:solidFill>
+                  <a:srgbClr val="09885A"/>
+                </a:solidFill>
+                <a:effectLst/>
+                <a:latin typeface="Consolas" panose="020B0609020204030204" pitchFamily="49" charset="0"/>
+              </a:rPr>
+              <a:t>1</a:t>
+            </a:r>
+            <a:r>
+              <a:rPr lang="en-US" altLang="zh-CN" b="0" dirty="0">
+                <a:solidFill>
+                  <a:srgbClr val="000000"/>
+                </a:solidFill>
+                <a:effectLst/>
+                <a:latin typeface="Consolas" panose="020B0609020204030204" pitchFamily="49" charset="0"/>
+              </a:rPr>
+              <a:t>));</a:t>
+            </a:r>
+          </a:p>
+          <a:p>
+            <a:r>
+              <a:rPr lang="en-US" altLang="zh-CN" b="0" dirty="0">
+                <a:solidFill>
+                  <a:srgbClr val="000000"/>
+                </a:solidFill>
+                <a:effectLst/>
+                <a:latin typeface="Consolas" panose="020B0609020204030204" pitchFamily="49" charset="0"/>
+              </a:rPr>
+              <a:t>    }</a:t>
+            </a:r>
+          </a:p>
+          <a:p>
+            <a:r>
+              <a:rPr lang="en-US" altLang="zh-CN" b="0" dirty="0">
+                <a:solidFill>
+                  <a:srgbClr val="000000"/>
+                </a:solidFill>
+                <a:effectLst/>
+                <a:latin typeface="Consolas" panose="020B0609020204030204" pitchFamily="49" charset="0"/>
+              </a:rPr>
+              <a:t>};</a:t>
+            </a:r>
+          </a:p>
+          <a:p>
+            <a:endParaRPr lang="zh-CN" altLang="en-US" dirty="0"/>
+          </a:p>
+        </p:txBody>
+      </p:sp>
+    </p:spTree>
+    <p:extLst>
+      <p:ext uri="{BB962C8B-B14F-4D97-AF65-F5344CB8AC3E}">
+        <p14:creationId xmlns:p14="http://schemas.microsoft.com/office/powerpoint/2010/main" val="3693204541"/>
+      </p:ext>
+    </p:extLst>
+  </p:cSld>
+  <p:clrMapOvr>
+    <a:masterClrMapping/>
+  </p:clrMapOvr>
+</p:sld>
+</file>
+
+<file path=ppt/slides/slide13.xml><?xml version="1.0" encoding="utf-8"?>
+<p:sld xmlns:a="http://schemas.openxmlformats.org/drawingml/2006/main" xmlns:r="http://schemas.openxmlformats.org/officeDocument/2006/relationships" xmlns:p="http://schemas.openxmlformats.org/presentationml/2006/main">
+  <p:cSld>
+    <p:spTree>
+      <p:nvGrpSpPr>
+        <p:cNvPr id="1" name=""/>
+        <p:cNvGrpSpPr/>
+        <p:nvPr/>
+      </p:nvGrpSpPr>
+      <p:grpSpPr>
+        <a:xfrm>
+          <a:off x="0" y="0"/>
+          <a:ext cx="0" cy="0"/>
+          <a:chOff x="0" y="0"/>
+          <a:chExt cx="0" cy="0"/>
+        </a:xfrm>
+      </p:grpSpPr>
+      <p:sp>
+        <p:nvSpPr>
+          <p:cNvPr id="2" name="标题 1">
+            <a:extLst>
+              <a:ext uri="{FF2B5EF4-FFF2-40B4-BE49-F238E27FC236}">
+                <a16:creationId xmlns:a16="http://schemas.microsoft.com/office/drawing/2014/main" id="{C97DD938-57D8-4CDD-9D18-64450198DB0F}"/>
+              </a:ext>
+            </a:extLst>
+          </p:cNvPr>
+          <p:cNvSpPr>
+            <a:spLocks noGrp="1"/>
+          </p:cNvSpPr>
+          <p:nvPr>
+            <p:ph type="title"/>
+          </p:nvPr>
+        </p:nvSpPr>
+        <p:spPr/>
+        <p:txBody>
+          <a:bodyPr/>
+          <a:lstStyle/>
+          <a:p>
+            <a:r>
+              <a:rPr lang="zh-CN" altLang="en-US" dirty="0"/>
+              <a:t>备忘录版本，时间大大缩短</a:t>
+            </a:r>
+          </a:p>
+        </p:txBody>
+      </p:sp>
+      <p:sp>
+        <p:nvSpPr>
+          <p:cNvPr id="3" name="内容占位符 2">
+            <a:extLst>
+              <a:ext uri="{FF2B5EF4-FFF2-40B4-BE49-F238E27FC236}">
+                <a16:creationId xmlns:a16="http://schemas.microsoft.com/office/drawing/2014/main" id="{EAA3CC18-A698-49F0-A05C-CDA856278798}"/>
+              </a:ext>
+            </a:extLst>
+          </p:cNvPr>
+          <p:cNvSpPr>
+            <a:spLocks noGrp="1"/>
+          </p:cNvSpPr>
+          <p:nvPr>
+            <p:ph idx="1"/>
+          </p:nvPr>
+        </p:nvSpPr>
+        <p:spPr/>
+        <p:txBody>
+          <a:bodyPr>
+            <a:normAutofit fontScale="25000" lnSpcReduction="20000"/>
+          </a:bodyPr>
+          <a:lstStyle/>
+          <a:p>
+            <a:r>
+              <a:rPr lang="en-US" altLang="zh-CN" b="0" dirty="0">
+                <a:solidFill>
+                  <a:srgbClr val="0000FF"/>
+                </a:solidFill>
+                <a:effectLst/>
+                <a:latin typeface="Consolas" panose="020B0609020204030204" pitchFamily="49" charset="0"/>
+              </a:rPr>
+              <a:t>class</a:t>
+            </a:r>
+            <a:r>
+              <a:rPr lang="en-US" altLang="zh-CN" b="0" dirty="0">
+                <a:solidFill>
+                  <a:srgbClr val="000000"/>
+                </a:solidFill>
+                <a:effectLst/>
+                <a:latin typeface="Consolas" panose="020B0609020204030204" pitchFamily="49" charset="0"/>
+              </a:rPr>
+              <a:t> Solution {</a:t>
+            </a:r>
+          </a:p>
+          <a:p>
+            <a:r>
+              <a:rPr lang="en-US" altLang="zh-CN" b="0" dirty="0">
+                <a:solidFill>
+                  <a:srgbClr val="0000FF"/>
+                </a:solidFill>
+                <a:effectLst/>
+                <a:latin typeface="Consolas" panose="020B0609020204030204" pitchFamily="49" charset="0"/>
+              </a:rPr>
+              <a:t>public</a:t>
+            </a:r>
+            <a:r>
+              <a:rPr lang="en-US" altLang="zh-CN" b="0" dirty="0">
+                <a:solidFill>
+                  <a:srgbClr val="000000"/>
+                </a:solidFill>
+                <a:effectLst/>
+                <a:latin typeface="Consolas" panose="020B0609020204030204" pitchFamily="49" charset="0"/>
+              </a:rPr>
+              <a:t>:</a:t>
+            </a:r>
+          </a:p>
+          <a:p>
+            <a:r>
+              <a:rPr lang="en-US" altLang="zh-CN" b="0" dirty="0">
+                <a:solidFill>
+                  <a:srgbClr val="000000"/>
+                </a:solidFill>
+                <a:effectLst/>
+                <a:latin typeface="Consolas" panose="020B0609020204030204" pitchFamily="49" charset="0"/>
+              </a:rPr>
+              <a:t>    </a:t>
+            </a:r>
+            <a:r>
+              <a:rPr lang="en-US" altLang="zh-CN" b="0" dirty="0">
+                <a:solidFill>
+                  <a:srgbClr val="0000FF"/>
+                </a:solidFill>
+                <a:effectLst/>
+                <a:latin typeface="Consolas" panose="020B0609020204030204" pitchFamily="49" charset="0"/>
+              </a:rPr>
+              <a:t>bool</a:t>
+            </a:r>
+            <a:r>
+              <a:rPr lang="en-US" altLang="zh-CN" b="0" dirty="0">
+                <a:solidFill>
+                  <a:srgbClr val="000000"/>
+                </a:solidFill>
+                <a:effectLst/>
+                <a:latin typeface="Consolas" panose="020B0609020204030204" pitchFamily="49" charset="0"/>
+              </a:rPr>
+              <a:t> </a:t>
+            </a:r>
+            <a:r>
+              <a:rPr lang="en-US" altLang="zh-CN" b="0" dirty="0" err="1">
+                <a:solidFill>
+                  <a:srgbClr val="000000"/>
+                </a:solidFill>
+                <a:effectLst/>
+                <a:latin typeface="Consolas" panose="020B0609020204030204" pitchFamily="49" charset="0"/>
+              </a:rPr>
+              <a:t>isMatch</a:t>
+            </a:r>
+            <a:r>
+              <a:rPr lang="en-US" altLang="zh-CN" b="0" dirty="0">
+                <a:solidFill>
+                  <a:srgbClr val="000000"/>
+                </a:solidFill>
+                <a:effectLst/>
+                <a:latin typeface="Consolas" panose="020B0609020204030204" pitchFamily="49" charset="0"/>
+              </a:rPr>
+              <a:t>(string s, string p) {</a:t>
+            </a:r>
+          </a:p>
+          <a:p>
+            <a:r>
+              <a:rPr lang="en-US" altLang="zh-CN" b="0" dirty="0">
+                <a:solidFill>
+                  <a:srgbClr val="000000"/>
+                </a:solidFill>
+                <a:effectLst/>
+                <a:latin typeface="Consolas" panose="020B0609020204030204" pitchFamily="49" charset="0"/>
+              </a:rPr>
+              <a:t>        </a:t>
+            </a:r>
+            <a:r>
+              <a:rPr lang="en-US" altLang="zh-CN" b="0" dirty="0">
+                <a:solidFill>
+                  <a:srgbClr val="0000FF"/>
+                </a:solidFill>
+                <a:effectLst/>
+                <a:latin typeface="Consolas" panose="020B0609020204030204" pitchFamily="49" charset="0"/>
+              </a:rPr>
+              <a:t>int</a:t>
+            </a:r>
+            <a:r>
+              <a:rPr lang="en-US" altLang="zh-CN" b="0" dirty="0">
+                <a:solidFill>
+                  <a:srgbClr val="000000"/>
+                </a:solidFill>
+                <a:effectLst/>
+                <a:latin typeface="Consolas" panose="020B0609020204030204" pitchFamily="49" charset="0"/>
+              </a:rPr>
+              <a:t> </a:t>
+            </a:r>
+            <a:r>
+              <a:rPr lang="en-US" altLang="zh-CN" b="0" dirty="0" err="1">
+                <a:solidFill>
+                  <a:srgbClr val="000000"/>
+                </a:solidFill>
+                <a:effectLst/>
+                <a:latin typeface="Consolas" panose="020B0609020204030204" pitchFamily="49" charset="0"/>
+              </a:rPr>
+              <a:t>len_s</a:t>
+            </a:r>
+            <a:r>
+              <a:rPr lang="en-US" altLang="zh-CN" b="0" dirty="0">
+                <a:solidFill>
+                  <a:srgbClr val="000000"/>
+                </a:solidFill>
+                <a:effectLst/>
+                <a:latin typeface="Consolas" panose="020B0609020204030204" pitchFamily="49" charset="0"/>
+              </a:rPr>
+              <a:t> = </a:t>
+            </a:r>
+            <a:r>
+              <a:rPr lang="en-US" altLang="zh-CN" b="0" dirty="0" err="1">
+                <a:solidFill>
+                  <a:srgbClr val="000000"/>
+                </a:solidFill>
+                <a:effectLst/>
+                <a:latin typeface="Consolas" panose="020B0609020204030204" pitchFamily="49" charset="0"/>
+              </a:rPr>
+              <a:t>s.length</a:t>
+            </a:r>
+            <a:r>
+              <a:rPr lang="en-US" altLang="zh-CN" b="0" dirty="0">
+                <a:solidFill>
+                  <a:srgbClr val="000000"/>
+                </a:solidFill>
+                <a:effectLst/>
+                <a:latin typeface="Consolas" panose="020B0609020204030204" pitchFamily="49" charset="0"/>
+              </a:rPr>
+              <a:t>(), </a:t>
+            </a:r>
+            <a:r>
+              <a:rPr lang="en-US" altLang="zh-CN" b="0" dirty="0" err="1">
+                <a:solidFill>
+                  <a:srgbClr val="000000"/>
+                </a:solidFill>
+                <a:effectLst/>
+                <a:latin typeface="Consolas" panose="020B0609020204030204" pitchFamily="49" charset="0"/>
+              </a:rPr>
+              <a:t>len_p</a:t>
+            </a:r>
+            <a:r>
+              <a:rPr lang="en-US" altLang="zh-CN" b="0" dirty="0">
+                <a:solidFill>
+                  <a:srgbClr val="000000"/>
+                </a:solidFill>
+                <a:effectLst/>
+                <a:latin typeface="Consolas" panose="020B0609020204030204" pitchFamily="49" charset="0"/>
+              </a:rPr>
+              <a:t> = </a:t>
+            </a:r>
+            <a:r>
+              <a:rPr lang="en-US" altLang="zh-CN" b="0" dirty="0" err="1">
+                <a:solidFill>
+                  <a:srgbClr val="000000"/>
+                </a:solidFill>
+                <a:effectLst/>
+                <a:latin typeface="Consolas" panose="020B0609020204030204" pitchFamily="49" charset="0"/>
+              </a:rPr>
+              <a:t>p.length</a:t>
+            </a:r>
+            <a:r>
+              <a:rPr lang="en-US" altLang="zh-CN" b="0" dirty="0">
+                <a:solidFill>
+                  <a:srgbClr val="000000"/>
+                </a:solidFill>
+                <a:effectLst/>
+                <a:latin typeface="Consolas" panose="020B0609020204030204" pitchFamily="49" charset="0"/>
+              </a:rPr>
+              <a:t>();</a:t>
+            </a:r>
+          </a:p>
+          <a:p>
+            <a:r>
+              <a:rPr lang="en-US" altLang="zh-CN" b="0" dirty="0">
+                <a:solidFill>
+                  <a:srgbClr val="000000"/>
+                </a:solidFill>
+                <a:effectLst/>
+                <a:latin typeface="Consolas" panose="020B0609020204030204" pitchFamily="49" charset="0"/>
+              </a:rPr>
+              <a:t>        vector&lt;vector&lt;</a:t>
+            </a:r>
+            <a:r>
+              <a:rPr lang="en-US" altLang="zh-CN" b="0" dirty="0">
+                <a:solidFill>
+                  <a:srgbClr val="0000FF"/>
+                </a:solidFill>
+                <a:effectLst/>
+                <a:latin typeface="Consolas" panose="020B0609020204030204" pitchFamily="49" charset="0"/>
+              </a:rPr>
+              <a:t>int</a:t>
+            </a:r>
+            <a:r>
+              <a:rPr lang="en-US" altLang="zh-CN" b="0" dirty="0">
+                <a:solidFill>
+                  <a:srgbClr val="000000"/>
+                </a:solidFill>
+                <a:effectLst/>
+                <a:latin typeface="Consolas" panose="020B0609020204030204" pitchFamily="49" charset="0"/>
+              </a:rPr>
+              <a:t>&gt;&gt; memo(len_s+</a:t>
+            </a:r>
+            <a:r>
+              <a:rPr lang="en-US" altLang="zh-CN" b="0" dirty="0">
+                <a:solidFill>
+                  <a:srgbClr val="09885A"/>
+                </a:solidFill>
+                <a:effectLst/>
+                <a:latin typeface="Consolas" panose="020B0609020204030204" pitchFamily="49" charset="0"/>
+              </a:rPr>
+              <a:t>1</a:t>
+            </a:r>
+            <a:r>
+              <a:rPr lang="en-US" altLang="zh-CN" b="0" dirty="0">
+                <a:solidFill>
+                  <a:srgbClr val="000000"/>
+                </a:solidFill>
+                <a:effectLst/>
+                <a:latin typeface="Consolas" panose="020B0609020204030204" pitchFamily="49" charset="0"/>
+              </a:rPr>
+              <a:t>, vector&lt;</a:t>
+            </a:r>
+            <a:r>
+              <a:rPr lang="en-US" altLang="zh-CN" b="0" dirty="0">
+                <a:solidFill>
+                  <a:srgbClr val="0000FF"/>
+                </a:solidFill>
+                <a:effectLst/>
+                <a:latin typeface="Consolas" panose="020B0609020204030204" pitchFamily="49" charset="0"/>
+              </a:rPr>
+              <a:t>int</a:t>
+            </a:r>
+            <a:r>
+              <a:rPr lang="en-US" altLang="zh-CN" b="0" dirty="0">
+                <a:solidFill>
+                  <a:srgbClr val="000000"/>
+                </a:solidFill>
+                <a:effectLst/>
+                <a:latin typeface="Consolas" panose="020B0609020204030204" pitchFamily="49" charset="0"/>
+              </a:rPr>
+              <a:t>&gt;(len_p+</a:t>
+            </a:r>
+            <a:r>
+              <a:rPr lang="en-US" altLang="zh-CN" b="0" dirty="0">
+                <a:solidFill>
+                  <a:srgbClr val="09885A"/>
+                </a:solidFill>
+                <a:effectLst/>
+                <a:latin typeface="Consolas" panose="020B0609020204030204" pitchFamily="49" charset="0"/>
+              </a:rPr>
+              <a:t>1</a:t>
+            </a:r>
+            <a:r>
+              <a:rPr lang="en-US" altLang="zh-CN" b="0" dirty="0">
+                <a:solidFill>
+                  <a:srgbClr val="000000"/>
+                </a:solidFill>
+                <a:effectLst/>
+                <a:latin typeface="Consolas" panose="020B0609020204030204" pitchFamily="49" charset="0"/>
+              </a:rPr>
+              <a:t>, -</a:t>
+            </a:r>
+            <a:r>
+              <a:rPr lang="en-US" altLang="zh-CN" b="0" dirty="0">
+                <a:solidFill>
+                  <a:srgbClr val="09885A"/>
+                </a:solidFill>
+                <a:effectLst/>
+                <a:latin typeface="Consolas" panose="020B0609020204030204" pitchFamily="49" charset="0"/>
+              </a:rPr>
+              <a:t>1</a:t>
+            </a:r>
+            <a:r>
+              <a:rPr lang="en-US" altLang="zh-CN" b="0" dirty="0">
+                <a:solidFill>
+                  <a:srgbClr val="000000"/>
+                </a:solidFill>
+                <a:effectLst/>
+                <a:latin typeface="Consolas" panose="020B0609020204030204" pitchFamily="49" charset="0"/>
+              </a:rPr>
+              <a:t>));</a:t>
+            </a:r>
+          </a:p>
+          <a:p>
+            <a:br>
+              <a:rPr lang="en-US" altLang="zh-CN" b="0" dirty="0">
+                <a:solidFill>
+                  <a:srgbClr val="000000"/>
+                </a:solidFill>
+                <a:effectLst/>
+                <a:latin typeface="Consolas" panose="020B0609020204030204" pitchFamily="49" charset="0"/>
+              </a:rPr>
+            </a:br>
+            <a:r>
+              <a:rPr lang="en-US" altLang="zh-CN" b="0" dirty="0">
+                <a:solidFill>
+                  <a:srgbClr val="000000"/>
+                </a:solidFill>
+                <a:effectLst/>
+                <a:latin typeface="Consolas" panose="020B0609020204030204" pitchFamily="49" charset="0"/>
+              </a:rPr>
+              <a:t>        </a:t>
+            </a:r>
+            <a:r>
+              <a:rPr lang="en-US" altLang="zh-CN" b="0" dirty="0">
+                <a:solidFill>
+                  <a:srgbClr val="0000FF"/>
+                </a:solidFill>
+                <a:effectLst/>
+                <a:latin typeface="Consolas" panose="020B0609020204030204" pitchFamily="49" charset="0"/>
+              </a:rPr>
+              <a:t>return</a:t>
+            </a:r>
+            <a:r>
+              <a:rPr lang="en-US" altLang="zh-CN" b="0" dirty="0">
+                <a:solidFill>
+                  <a:srgbClr val="000000"/>
+                </a:solidFill>
+                <a:effectLst/>
+                <a:latin typeface="Consolas" panose="020B0609020204030204" pitchFamily="49" charset="0"/>
+              </a:rPr>
+              <a:t> </a:t>
+            </a:r>
+            <a:r>
+              <a:rPr lang="en-US" altLang="zh-CN" b="0" dirty="0" err="1">
+                <a:solidFill>
+                  <a:srgbClr val="000000"/>
+                </a:solidFill>
+                <a:effectLst/>
+                <a:latin typeface="Consolas" panose="020B0609020204030204" pitchFamily="49" charset="0"/>
+              </a:rPr>
+              <a:t>isMatchHelper</a:t>
+            </a:r>
+            <a:r>
+              <a:rPr lang="en-US" altLang="zh-CN" b="0" dirty="0">
+                <a:solidFill>
+                  <a:srgbClr val="000000"/>
+                </a:solidFill>
+                <a:effectLst/>
+                <a:latin typeface="Consolas" panose="020B0609020204030204" pitchFamily="49" charset="0"/>
+              </a:rPr>
+              <a:t>(s, p, </a:t>
+            </a:r>
+            <a:r>
+              <a:rPr lang="en-US" altLang="zh-CN" b="0" dirty="0">
+                <a:solidFill>
+                  <a:srgbClr val="09885A"/>
+                </a:solidFill>
+                <a:effectLst/>
+                <a:latin typeface="Consolas" panose="020B0609020204030204" pitchFamily="49" charset="0"/>
+              </a:rPr>
+              <a:t>0</a:t>
+            </a:r>
+            <a:r>
+              <a:rPr lang="en-US" altLang="zh-CN" b="0" dirty="0">
+                <a:solidFill>
+                  <a:srgbClr val="000000"/>
+                </a:solidFill>
+                <a:effectLst/>
+                <a:latin typeface="Consolas" panose="020B0609020204030204" pitchFamily="49" charset="0"/>
+              </a:rPr>
+              <a:t>, </a:t>
+            </a:r>
+            <a:r>
+              <a:rPr lang="en-US" altLang="zh-CN" b="0" dirty="0">
+                <a:solidFill>
+                  <a:srgbClr val="09885A"/>
+                </a:solidFill>
+                <a:effectLst/>
+                <a:latin typeface="Consolas" panose="020B0609020204030204" pitchFamily="49" charset="0"/>
+              </a:rPr>
+              <a:t>0</a:t>
+            </a:r>
+            <a:r>
+              <a:rPr lang="en-US" altLang="zh-CN" b="0" dirty="0">
+                <a:solidFill>
+                  <a:srgbClr val="000000"/>
+                </a:solidFill>
+                <a:effectLst/>
+                <a:latin typeface="Consolas" panose="020B0609020204030204" pitchFamily="49" charset="0"/>
+              </a:rPr>
+              <a:t>, memo);</a:t>
+            </a:r>
+          </a:p>
+          <a:p>
+            <a:r>
+              <a:rPr lang="en-US" altLang="zh-CN" b="0" dirty="0">
+                <a:solidFill>
+                  <a:srgbClr val="000000"/>
+                </a:solidFill>
+                <a:effectLst/>
+                <a:latin typeface="Consolas" panose="020B0609020204030204" pitchFamily="49" charset="0"/>
+              </a:rPr>
+              <a:t>    }</a:t>
+            </a:r>
+          </a:p>
+          <a:p>
+            <a:br>
+              <a:rPr lang="en-US" altLang="zh-CN" b="0" dirty="0">
+                <a:solidFill>
+                  <a:srgbClr val="000000"/>
+                </a:solidFill>
+                <a:effectLst/>
+                <a:latin typeface="Consolas" panose="020B0609020204030204" pitchFamily="49" charset="0"/>
+              </a:rPr>
+            </a:br>
+            <a:r>
+              <a:rPr lang="en-US" altLang="zh-CN" b="0" dirty="0">
+                <a:solidFill>
+                  <a:srgbClr val="000000"/>
+                </a:solidFill>
+                <a:effectLst/>
+                <a:latin typeface="Consolas" panose="020B0609020204030204" pitchFamily="49" charset="0"/>
+              </a:rPr>
+              <a:t>    </a:t>
+            </a:r>
+            <a:r>
+              <a:rPr lang="en-US" altLang="zh-CN" b="0" dirty="0">
+                <a:solidFill>
+                  <a:srgbClr val="0000FF"/>
+                </a:solidFill>
+                <a:effectLst/>
+                <a:latin typeface="Consolas" panose="020B0609020204030204" pitchFamily="49" charset="0"/>
+              </a:rPr>
+              <a:t>bool</a:t>
+            </a:r>
+            <a:r>
+              <a:rPr lang="en-US" altLang="zh-CN" b="0" dirty="0">
+                <a:solidFill>
+                  <a:srgbClr val="000000"/>
+                </a:solidFill>
+                <a:effectLst/>
+                <a:latin typeface="Consolas" panose="020B0609020204030204" pitchFamily="49" charset="0"/>
+              </a:rPr>
+              <a:t> </a:t>
+            </a:r>
+            <a:r>
+              <a:rPr lang="en-US" altLang="zh-CN" b="0" dirty="0" err="1">
+                <a:solidFill>
+                  <a:srgbClr val="000000"/>
+                </a:solidFill>
+                <a:effectLst/>
+                <a:latin typeface="Consolas" panose="020B0609020204030204" pitchFamily="49" charset="0"/>
+              </a:rPr>
+              <a:t>isMatchHelper</a:t>
+            </a:r>
+            <a:r>
+              <a:rPr lang="en-US" altLang="zh-CN" b="0" dirty="0">
+                <a:solidFill>
+                  <a:srgbClr val="000000"/>
+                </a:solidFill>
+                <a:effectLst/>
+                <a:latin typeface="Consolas" panose="020B0609020204030204" pitchFamily="49" charset="0"/>
+              </a:rPr>
+              <a:t>(</a:t>
+            </a:r>
+            <a:r>
+              <a:rPr lang="en-US" altLang="zh-CN" b="0" dirty="0">
+                <a:solidFill>
+                  <a:srgbClr val="0000FF"/>
+                </a:solidFill>
+                <a:effectLst/>
+                <a:latin typeface="Consolas" panose="020B0609020204030204" pitchFamily="49" charset="0"/>
+              </a:rPr>
+              <a:t>const</a:t>
+            </a:r>
+            <a:r>
+              <a:rPr lang="en-US" altLang="zh-CN" b="0" dirty="0">
+                <a:solidFill>
+                  <a:srgbClr val="000000"/>
+                </a:solidFill>
+                <a:effectLst/>
+                <a:latin typeface="Consolas" panose="020B0609020204030204" pitchFamily="49" charset="0"/>
+              </a:rPr>
+              <a:t> string&amp; s, </a:t>
+            </a:r>
+            <a:r>
+              <a:rPr lang="en-US" altLang="zh-CN" b="0" dirty="0">
+                <a:solidFill>
+                  <a:srgbClr val="0000FF"/>
+                </a:solidFill>
+                <a:effectLst/>
+                <a:latin typeface="Consolas" panose="020B0609020204030204" pitchFamily="49" charset="0"/>
+              </a:rPr>
+              <a:t>const</a:t>
+            </a:r>
+            <a:r>
+              <a:rPr lang="en-US" altLang="zh-CN" b="0" dirty="0">
+                <a:solidFill>
+                  <a:srgbClr val="000000"/>
+                </a:solidFill>
+                <a:effectLst/>
+                <a:latin typeface="Consolas" panose="020B0609020204030204" pitchFamily="49" charset="0"/>
+              </a:rPr>
+              <a:t> string&amp; p, </a:t>
+            </a:r>
+            <a:r>
+              <a:rPr lang="en-US" altLang="zh-CN" b="0" dirty="0">
+                <a:solidFill>
+                  <a:srgbClr val="0000FF"/>
+                </a:solidFill>
+                <a:effectLst/>
+                <a:latin typeface="Consolas" panose="020B0609020204030204" pitchFamily="49" charset="0"/>
+              </a:rPr>
+              <a:t>int</a:t>
+            </a:r>
+            <a:r>
+              <a:rPr lang="en-US" altLang="zh-CN" b="0" dirty="0">
+                <a:solidFill>
+                  <a:srgbClr val="000000"/>
+                </a:solidFill>
+                <a:effectLst/>
+                <a:latin typeface="Consolas" panose="020B0609020204030204" pitchFamily="49" charset="0"/>
+              </a:rPr>
+              <a:t> </a:t>
+            </a:r>
+            <a:r>
+              <a:rPr lang="en-US" altLang="zh-CN" b="0" dirty="0" err="1">
+                <a:solidFill>
+                  <a:srgbClr val="000000"/>
+                </a:solidFill>
+                <a:effectLst/>
+                <a:latin typeface="Consolas" panose="020B0609020204030204" pitchFamily="49" charset="0"/>
+              </a:rPr>
+              <a:t>i</a:t>
+            </a:r>
+            <a:r>
+              <a:rPr lang="en-US" altLang="zh-CN" b="0" dirty="0">
+                <a:solidFill>
+                  <a:srgbClr val="000000"/>
+                </a:solidFill>
+                <a:effectLst/>
+                <a:latin typeface="Consolas" panose="020B0609020204030204" pitchFamily="49" charset="0"/>
+              </a:rPr>
+              <a:t>, </a:t>
+            </a:r>
+            <a:r>
+              <a:rPr lang="en-US" altLang="zh-CN" b="0" dirty="0">
+                <a:solidFill>
+                  <a:srgbClr val="0000FF"/>
+                </a:solidFill>
+                <a:effectLst/>
+                <a:latin typeface="Consolas" panose="020B0609020204030204" pitchFamily="49" charset="0"/>
+              </a:rPr>
+              <a:t>int</a:t>
+            </a:r>
+            <a:r>
+              <a:rPr lang="en-US" altLang="zh-CN" b="0" dirty="0">
+                <a:solidFill>
+                  <a:srgbClr val="000000"/>
+                </a:solidFill>
+                <a:effectLst/>
+                <a:latin typeface="Consolas" panose="020B0609020204030204" pitchFamily="49" charset="0"/>
+              </a:rPr>
+              <a:t> j, vector&lt;vector&lt;</a:t>
+            </a:r>
+            <a:r>
+              <a:rPr lang="en-US" altLang="zh-CN" b="0" dirty="0">
+                <a:solidFill>
+                  <a:srgbClr val="0000FF"/>
+                </a:solidFill>
+                <a:effectLst/>
+                <a:latin typeface="Consolas" panose="020B0609020204030204" pitchFamily="49" charset="0"/>
+              </a:rPr>
+              <a:t>int</a:t>
+            </a:r>
+            <a:r>
+              <a:rPr lang="en-US" altLang="zh-CN" b="0" dirty="0">
+                <a:solidFill>
+                  <a:srgbClr val="000000"/>
+                </a:solidFill>
+                <a:effectLst/>
+                <a:latin typeface="Consolas" panose="020B0609020204030204" pitchFamily="49" charset="0"/>
+              </a:rPr>
+              <a:t>&gt;&gt;&amp; memo) {</a:t>
+            </a:r>
+          </a:p>
+          <a:p>
+            <a:r>
+              <a:rPr lang="en-US" altLang="zh-CN" b="0" dirty="0">
+                <a:solidFill>
+                  <a:srgbClr val="000000"/>
+                </a:solidFill>
+                <a:effectLst/>
+                <a:latin typeface="Consolas" panose="020B0609020204030204" pitchFamily="49" charset="0"/>
+              </a:rPr>
+              <a:t>        </a:t>
+            </a:r>
+            <a:r>
+              <a:rPr lang="en-US" altLang="zh-CN" b="0" dirty="0">
+                <a:solidFill>
+                  <a:srgbClr val="0000FF"/>
+                </a:solidFill>
+                <a:effectLst/>
+                <a:latin typeface="Consolas" panose="020B0609020204030204" pitchFamily="49" charset="0"/>
+              </a:rPr>
+              <a:t>if</a:t>
+            </a:r>
+            <a:r>
+              <a:rPr lang="en-US" altLang="zh-CN" b="0" dirty="0">
+                <a:solidFill>
+                  <a:srgbClr val="000000"/>
+                </a:solidFill>
+                <a:effectLst/>
+                <a:latin typeface="Consolas" panose="020B0609020204030204" pitchFamily="49" charset="0"/>
+              </a:rPr>
+              <a:t>(memo[</a:t>
+            </a:r>
+            <a:r>
+              <a:rPr lang="en-US" altLang="zh-CN" b="0" dirty="0" err="1">
+                <a:solidFill>
+                  <a:srgbClr val="000000"/>
+                </a:solidFill>
+                <a:effectLst/>
+                <a:latin typeface="Consolas" panose="020B0609020204030204" pitchFamily="49" charset="0"/>
+              </a:rPr>
+              <a:t>i</a:t>
+            </a:r>
+            <a:r>
+              <a:rPr lang="en-US" altLang="zh-CN" b="0" dirty="0">
+                <a:solidFill>
+                  <a:srgbClr val="000000"/>
+                </a:solidFill>
+                <a:effectLst/>
+                <a:latin typeface="Consolas" panose="020B0609020204030204" pitchFamily="49" charset="0"/>
+              </a:rPr>
+              <a:t>][j] != -</a:t>
+            </a:r>
+            <a:r>
+              <a:rPr lang="en-US" altLang="zh-CN" b="0" dirty="0">
+                <a:solidFill>
+                  <a:srgbClr val="09885A"/>
+                </a:solidFill>
+                <a:effectLst/>
+                <a:latin typeface="Consolas" panose="020B0609020204030204" pitchFamily="49" charset="0"/>
+              </a:rPr>
+              <a:t>1</a:t>
+            </a:r>
+            <a:r>
+              <a:rPr lang="en-US" altLang="zh-CN" b="0" dirty="0">
+                <a:solidFill>
+                  <a:srgbClr val="000000"/>
+                </a:solidFill>
+                <a:effectLst/>
+                <a:latin typeface="Consolas" panose="020B0609020204030204" pitchFamily="49" charset="0"/>
+              </a:rPr>
+              <a:t>) </a:t>
+            </a:r>
+            <a:r>
+              <a:rPr lang="en-US" altLang="zh-CN" b="0" dirty="0">
+                <a:solidFill>
+                  <a:srgbClr val="0000FF"/>
+                </a:solidFill>
+                <a:effectLst/>
+                <a:latin typeface="Consolas" panose="020B0609020204030204" pitchFamily="49" charset="0"/>
+              </a:rPr>
+              <a:t>return</a:t>
+            </a:r>
+            <a:r>
+              <a:rPr lang="en-US" altLang="zh-CN" b="0" dirty="0">
+                <a:solidFill>
+                  <a:srgbClr val="000000"/>
+                </a:solidFill>
+                <a:effectLst/>
+                <a:latin typeface="Consolas" panose="020B0609020204030204" pitchFamily="49" charset="0"/>
+              </a:rPr>
+              <a:t> (</a:t>
+            </a:r>
+            <a:r>
+              <a:rPr lang="en-US" altLang="zh-CN" b="0" dirty="0">
+                <a:solidFill>
+                  <a:srgbClr val="0000FF"/>
+                </a:solidFill>
+                <a:effectLst/>
+                <a:latin typeface="Consolas" panose="020B0609020204030204" pitchFamily="49" charset="0"/>
+              </a:rPr>
+              <a:t>bool</a:t>
+            </a:r>
+            <a:r>
+              <a:rPr lang="en-US" altLang="zh-CN" b="0" dirty="0">
+                <a:solidFill>
+                  <a:srgbClr val="000000"/>
+                </a:solidFill>
+                <a:effectLst/>
+                <a:latin typeface="Consolas" panose="020B0609020204030204" pitchFamily="49" charset="0"/>
+              </a:rPr>
+              <a:t>)memo[</a:t>
+            </a:r>
+            <a:r>
+              <a:rPr lang="en-US" altLang="zh-CN" b="0" dirty="0" err="1">
+                <a:solidFill>
+                  <a:srgbClr val="000000"/>
+                </a:solidFill>
+                <a:effectLst/>
+                <a:latin typeface="Consolas" panose="020B0609020204030204" pitchFamily="49" charset="0"/>
+              </a:rPr>
+              <a:t>i</a:t>
+            </a:r>
+            <a:r>
+              <a:rPr lang="en-US" altLang="zh-CN" b="0" dirty="0">
+                <a:solidFill>
+                  <a:srgbClr val="000000"/>
+                </a:solidFill>
+                <a:effectLst/>
+                <a:latin typeface="Consolas" panose="020B0609020204030204" pitchFamily="49" charset="0"/>
+              </a:rPr>
+              <a:t>][j];</a:t>
+            </a:r>
+          </a:p>
+          <a:p>
+            <a:r>
+              <a:rPr lang="en-US" altLang="zh-CN" b="0" dirty="0">
+                <a:solidFill>
+                  <a:srgbClr val="000000"/>
+                </a:solidFill>
+                <a:effectLst/>
+                <a:latin typeface="Consolas" panose="020B0609020204030204" pitchFamily="49" charset="0"/>
+              </a:rPr>
+              <a:t>        </a:t>
+            </a:r>
+            <a:r>
+              <a:rPr lang="en-US" altLang="zh-CN" b="0" dirty="0">
+                <a:solidFill>
+                  <a:srgbClr val="0000FF"/>
+                </a:solidFill>
+                <a:effectLst/>
+                <a:latin typeface="Consolas" panose="020B0609020204030204" pitchFamily="49" charset="0"/>
+              </a:rPr>
+              <a:t>if</a:t>
+            </a:r>
+            <a:r>
+              <a:rPr lang="en-US" altLang="zh-CN" b="0" dirty="0">
+                <a:solidFill>
+                  <a:srgbClr val="000000"/>
+                </a:solidFill>
+                <a:effectLst/>
+                <a:latin typeface="Consolas" panose="020B0609020204030204" pitchFamily="49" charset="0"/>
+              </a:rPr>
+              <a:t>(j == </a:t>
+            </a:r>
+            <a:r>
+              <a:rPr lang="en-US" altLang="zh-CN" b="0" dirty="0" err="1">
+                <a:solidFill>
+                  <a:srgbClr val="000000"/>
+                </a:solidFill>
+                <a:effectLst/>
+                <a:latin typeface="Consolas" panose="020B0609020204030204" pitchFamily="49" charset="0"/>
+              </a:rPr>
+              <a:t>p.length</a:t>
+            </a:r>
+            <a:r>
+              <a:rPr lang="en-US" altLang="zh-CN" b="0" dirty="0">
+                <a:solidFill>
+                  <a:srgbClr val="000000"/>
+                </a:solidFill>
+                <a:effectLst/>
+                <a:latin typeface="Consolas" panose="020B0609020204030204" pitchFamily="49" charset="0"/>
+              </a:rPr>
+              <a:t>()) </a:t>
+            </a:r>
+            <a:r>
+              <a:rPr lang="en-US" altLang="zh-CN" b="0" dirty="0">
+                <a:solidFill>
+                  <a:srgbClr val="0000FF"/>
+                </a:solidFill>
+                <a:effectLst/>
+                <a:latin typeface="Consolas" panose="020B0609020204030204" pitchFamily="49" charset="0"/>
+              </a:rPr>
+              <a:t>return</a:t>
+            </a:r>
+            <a:r>
+              <a:rPr lang="en-US" altLang="zh-CN" b="0" dirty="0">
+                <a:solidFill>
+                  <a:srgbClr val="000000"/>
+                </a:solidFill>
+                <a:effectLst/>
+                <a:latin typeface="Consolas" panose="020B0609020204030204" pitchFamily="49" charset="0"/>
+              </a:rPr>
+              <a:t> </a:t>
+            </a:r>
+            <a:r>
+              <a:rPr lang="en-US" altLang="zh-CN" b="0" dirty="0" err="1">
+                <a:solidFill>
+                  <a:srgbClr val="000000"/>
+                </a:solidFill>
+                <a:effectLst/>
+                <a:latin typeface="Consolas" panose="020B0609020204030204" pitchFamily="49" charset="0"/>
+              </a:rPr>
+              <a:t>i</a:t>
+            </a:r>
+            <a:r>
+              <a:rPr lang="en-US" altLang="zh-CN" b="0" dirty="0">
+                <a:solidFill>
+                  <a:srgbClr val="000000"/>
+                </a:solidFill>
+                <a:effectLst/>
+                <a:latin typeface="Consolas" panose="020B0609020204030204" pitchFamily="49" charset="0"/>
+              </a:rPr>
+              <a:t> == </a:t>
+            </a:r>
+            <a:r>
+              <a:rPr lang="en-US" altLang="zh-CN" b="0" dirty="0" err="1">
+                <a:solidFill>
+                  <a:srgbClr val="000000"/>
+                </a:solidFill>
+                <a:effectLst/>
+                <a:latin typeface="Consolas" panose="020B0609020204030204" pitchFamily="49" charset="0"/>
+              </a:rPr>
+              <a:t>s.length</a:t>
+            </a:r>
+            <a:r>
+              <a:rPr lang="en-US" altLang="zh-CN" b="0" dirty="0">
+                <a:solidFill>
+                  <a:srgbClr val="000000"/>
+                </a:solidFill>
+                <a:effectLst/>
+                <a:latin typeface="Consolas" panose="020B0609020204030204" pitchFamily="49" charset="0"/>
+              </a:rPr>
+              <a:t>();</a:t>
+            </a:r>
+          </a:p>
+          <a:p>
+            <a:r>
+              <a:rPr lang="en-US" altLang="zh-CN" b="0" dirty="0">
+                <a:solidFill>
+                  <a:srgbClr val="000000"/>
+                </a:solidFill>
+                <a:effectLst/>
+                <a:latin typeface="Consolas" panose="020B0609020204030204" pitchFamily="49" charset="0"/>
+              </a:rPr>
+              <a:t>        </a:t>
+            </a:r>
+            <a:r>
+              <a:rPr lang="en-US" altLang="zh-CN" b="0" dirty="0">
+                <a:solidFill>
+                  <a:srgbClr val="0000FF"/>
+                </a:solidFill>
+                <a:effectLst/>
+                <a:latin typeface="Consolas" panose="020B0609020204030204" pitchFamily="49" charset="0"/>
+              </a:rPr>
+              <a:t>bool</a:t>
+            </a:r>
+            <a:r>
+              <a:rPr lang="en-US" altLang="zh-CN" b="0" dirty="0">
+                <a:solidFill>
+                  <a:srgbClr val="000000"/>
+                </a:solidFill>
+                <a:effectLst/>
+                <a:latin typeface="Consolas" panose="020B0609020204030204" pitchFamily="49" charset="0"/>
+              </a:rPr>
+              <a:t> </a:t>
+            </a:r>
+            <a:r>
+              <a:rPr lang="en-US" altLang="zh-CN" b="0" dirty="0" err="1">
+                <a:solidFill>
+                  <a:srgbClr val="000000"/>
+                </a:solidFill>
+                <a:effectLst/>
+                <a:latin typeface="Consolas" panose="020B0609020204030204" pitchFamily="49" charset="0"/>
+              </a:rPr>
+              <a:t>first_match</a:t>
+            </a:r>
+            <a:r>
+              <a:rPr lang="en-US" altLang="zh-CN" b="0" dirty="0">
+                <a:solidFill>
+                  <a:srgbClr val="000000"/>
+                </a:solidFill>
+                <a:effectLst/>
+                <a:latin typeface="Consolas" panose="020B0609020204030204" pitchFamily="49" charset="0"/>
+              </a:rPr>
+              <a:t> = </a:t>
+            </a:r>
+            <a:r>
+              <a:rPr lang="en-US" altLang="zh-CN" b="0" dirty="0" err="1">
+                <a:solidFill>
+                  <a:srgbClr val="000000"/>
+                </a:solidFill>
+                <a:effectLst/>
+                <a:latin typeface="Consolas" panose="020B0609020204030204" pitchFamily="49" charset="0"/>
+              </a:rPr>
+              <a:t>i</a:t>
+            </a:r>
+            <a:r>
+              <a:rPr lang="en-US" altLang="zh-CN" b="0" dirty="0">
+                <a:solidFill>
+                  <a:srgbClr val="000000"/>
+                </a:solidFill>
+                <a:effectLst/>
+                <a:latin typeface="Consolas" panose="020B0609020204030204" pitchFamily="49" charset="0"/>
+              </a:rPr>
+              <a:t>&lt;</a:t>
+            </a:r>
+            <a:r>
+              <a:rPr lang="en-US" altLang="zh-CN" b="0" dirty="0" err="1">
+                <a:solidFill>
+                  <a:srgbClr val="000000"/>
+                </a:solidFill>
+                <a:effectLst/>
+                <a:latin typeface="Consolas" panose="020B0609020204030204" pitchFamily="49" charset="0"/>
+              </a:rPr>
+              <a:t>s.length</a:t>
+            </a:r>
+            <a:r>
+              <a:rPr lang="en-US" altLang="zh-CN" b="0" dirty="0">
+                <a:solidFill>
+                  <a:srgbClr val="000000"/>
+                </a:solidFill>
+                <a:effectLst/>
+                <a:latin typeface="Consolas" panose="020B0609020204030204" pitchFamily="49" charset="0"/>
+              </a:rPr>
+              <a:t>() &amp;&amp; (s[</a:t>
+            </a:r>
+            <a:r>
+              <a:rPr lang="en-US" altLang="zh-CN" b="0" dirty="0" err="1">
+                <a:solidFill>
+                  <a:srgbClr val="000000"/>
+                </a:solidFill>
+                <a:effectLst/>
+                <a:latin typeface="Consolas" panose="020B0609020204030204" pitchFamily="49" charset="0"/>
+              </a:rPr>
+              <a:t>i</a:t>
+            </a:r>
+            <a:r>
+              <a:rPr lang="en-US" altLang="zh-CN" b="0" dirty="0">
+                <a:solidFill>
+                  <a:srgbClr val="000000"/>
+                </a:solidFill>
+                <a:effectLst/>
+                <a:latin typeface="Consolas" panose="020B0609020204030204" pitchFamily="49" charset="0"/>
+              </a:rPr>
+              <a:t>]==p[j] || p[j] == </a:t>
+            </a:r>
+            <a:r>
+              <a:rPr lang="en-US" altLang="zh-CN" b="0" dirty="0">
+                <a:solidFill>
+                  <a:srgbClr val="A31515"/>
+                </a:solidFill>
+                <a:effectLst/>
+                <a:latin typeface="Consolas" panose="020B0609020204030204" pitchFamily="49" charset="0"/>
+              </a:rPr>
+              <a:t>'.'</a:t>
+            </a:r>
+            <a:r>
+              <a:rPr lang="en-US" altLang="zh-CN" b="0" dirty="0">
+                <a:solidFill>
+                  <a:srgbClr val="000000"/>
+                </a:solidFill>
+                <a:effectLst/>
+                <a:latin typeface="Consolas" panose="020B0609020204030204" pitchFamily="49" charset="0"/>
+              </a:rPr>
+              <a:t>);</a:t>
+            </a:r>
+          </a:p>
+          <a:p>
+            <a:r>
+              <a:rPr lang="en-US" altLang="zh-CN" b="0" dirty="0">
+                <a:solidFill>
+                  <a:srgbClr val="000000"/>
+                </a:solidFill>
+                <a:effectLst/>
+                <a:latin typeface="Consolas" panose="020B0609020204030204" pitchFamily="49" charset="0"/>
+              </a:rPr>
+              <a:t>        </a:t>
+            </a:r>
+            <a:r>
+              <a:rPr lang="en-US" altLang="zh-CN" b="0" dirty="0">
+                <a:solidFill>
+                  <a:srgbClr val="0000FF"/>
+                </a:solidFill>
+                <a:effectLst/>
+                <a:latin typeface="Consolas" panose="020B0609020204030204" pitchFamily="49" charset="0"/>
+              </a:rPr>
+              <a:t>if</a:t>
+            </a:r>
+            <a:r>
+              <a:rPr lang="en-US" altLang="zh-CN" b="0" dirty="0">
+                <a:solidFill>
+                  <a:srgbClr val="000000"/>
+                </a:solidFill>
+                <a:effectLst/>
+                <a:latin typeface="Consolas" panose="020B0609020204030204" pitchFamily="49" charset="0"/>
+              </a:rPr>
+              <a:t>(j&lt;=</a:t>
+            </a:r>
+            <a:r>
+              <a:rPr lang="en-US" altLang="zh-CN" b="0" dirty="0" err="1">
+                <a:solidFill>
+                  <a:srgbClr val="000000"/>
+                </a:solidFill>
+                <a:effectLst/>
+                <a:latin typeface="Consolas" panose="020B0609020204030204" pitchFamily="49" charset="0"/>
+              </a:rPr>
+              <a:t>p.length</a:t>
+            </a:r>
+            <a:r>
+              <a:rPr lang="en-US" altLang="zh-CN" b="0" dirty="0">
+                <a:solidFill>
+                  <a:srgbClr val="000000"/>
+                </a:solidFill>
+                <a:effectLst/>
+                <a:latin typeface="Consolas" panose="020B0609020204030204" pitchFamily="49" charset="0"/>
+              </a:rPr>
+              <a:t>()-</a:t>
+            </a:r>
+            <a:r>
+              <a:rPr lang="en-US" altLang="zh-CN" b="0" dirty="0">
+                <a:solidFill>
+                  <a:srgbClr val="09885A"/>
+                </a:solidFill>
+                <a:effectLst/>
+                <a:latin typeface="Consolas" panose="020B0609020204030204" pitchFamily="49" charset="0"/>
+              </a:rPr>
+              <a:t>2</a:t>
+            </a:r>
+            <a:r>
+              <a:rPr lang="en-US" altLang="zh-CN" b="0" dirty="0">
+                <a:solidFill>
+                  <a:srgbClr val="000000"/>
+                </a:solidFill>
+                <a:effectLst/>
+                <a:latin typeface="Consolas" panose="020B0609020204030204" pitchFamily="49" charset="0"/>
+              </a:rPr>
+              <a:t> &amp;&amp; p[j+</a:t>
+            </a:r>
+            <a:r>
+              <a:rPr lang="en-US" altLang="zh-CN" b="0" dirty="0">
+                <a:solidFill>
+                  <a:srgbClr val="09885A"/>
+                </a:solidFill>
+                <a:effectLst/>
+                <a:latin typeface="Consolas" panose="020B0609020204030204" pitchFamily="49" charset="0"/>
+              </a:rPr>
+              <a:t>1</a:t>
+            </a:r>
+            <a:r>
+              <a:rPr lang="en-US" altLang="zh-CN" b="0" dirty="0">
+                <a:solidFill>
+                  <a:srgbClr val="000000"/>
+                </a:solidFill>
+                <a:effectLst/>
+                <a:latin typeface="Consolas" panose="020B0609020204030204" pitchFamily="49" charset="0"/>
+              </a:rPr>
+              <a:t>]==</a:t>
+            </a:r>
+            <a:r>
+              <a:rPr lang="en-US" altLang="zh-CN" b="0" dirty="0">
+                <a:solidFill>
+                  <a:srgbClr val="A31515"/>
+                </a:solidFill>
+                <a:effectLst/>
+                <a:latin typeface="Consolas" panose="020B0609020204030204" pitchFamily="49" charset="0"/>
+              </a:rPr>
+              <a:t>'*'</a:t>
+            </a:r>
+            <a:r>
+              <a:rPr lang="en-US" altLang="zh-CN" b="0" dirty="0">
+                <a:solidFill>
+                  <a:srgbClr val="000000"/>
+                </a:solidFill>
+                <a:effectLst/>
+                <a:latin typeface="Consolas" panose="020B0609020204030204" pitchFamily="49" charset="0"/>
+              </a:rPr>
+              <a:t>) {</a:t>
+            </a:r>
+          </a:p>
+          <a:p>
+            <a:r>
+              <a:rPr lang="en-US" altLang="zh-CN" b="0" dirty="0">
+                <a:solidFill>
+                  <a:srgbClr val="000000"/>
+                </a:solidFill>
+                <a:effectLst/>
+                <a:latin typeface="Consolas" panose="020B0609020204030204" pitchFamily="49" charset="0"/>
+              </a:rPr>
+              <a:t>            memo[</a:t>
+            </a:r>
+            <a:r>
+              <a:rPr lang="en-US" altLang="zh-CN" b="0" dirty="0" err="1">
+                <a:solidFill>
+                  <a:srgbClr val="000000"/>
+                </a:solidFill>
+                <a:effectLst/>
+                <a:latin typeface="Consolas" panose="020B0609020204030204" pitchFamily="49" charset="0"/>
+              </a:rPr>
+              <a:t>i</a:t>
+            </a:r>
+            <a:r>
+              <a:rPr lang="en-US" altLang="zh-CN" b="0" dirty="0">
+                <a:solidFill>
+                  <a:srgbClr val="000000"/>
+                </a:solidFill>
+                <a:effectLst/>
+                <a:latin typeface="Consolas" panose="020B0609020204030204" pitchFamily="49" charset="0"/>
+              </a:rPr>
+              <a:t>][j] = (</a:t>
+            </a:r>
+            <a:r>
+              <a:rPr lang="en-US" altLang="zh-CN" b="0" dirty="0">
+                <a:solidFill>
+                  <a:srgbClr val="0000FF"/>
+                </a:solidFill>
+                <a:effectLst/>
+                <a:latin typeface="Consolas" panose="020B0609020204030204" pitchFamily="49" charset="0"/>
+              </a:rPr>
+              <a:t>int</a:t>
+            </a:r>
+            <a:r>
+              <a:rPr lang="en-US" altLang="zh-CN" b="0" dirty="0">
+                <a:solidFill>
+                  <a:srgbClr val="000000"/>
+                </a:solidFill>
+                <a:effectLst/>
+                <a:latin typeface="Consolas" panose="020B0609020204030204" pitchFamily="49" charset="0"/>
+              </a:rPr>
+              <a:t>)(</a:t>
+            </a:r>
+            <a:r>
+              <a:rPr lang="en-US" altLang="zh-CN" b="0" dirty="0" err="1">
+                <a:solidFill>
+                  <a:srgbClr val="000000"/>
+                </a:solidFill>
+                <a:effectLst/>
+                <a:latin typeface="Consolas" panose="020B0609020204030204" pitchFamily="49" charset="0"/>
+              </a:rPr>
+              <a:t>isMatchHelper</a:t>
+            </a:r>
+            <a:r>
+              <a:rPr lang="en-US" altLang="zh-CN" b="0" dirty="0">
+                <a:solidFill>
+                  <a:srgbClr val="000000"/>
+                </a:solidFill>
+                <a:effectLst/>
+                <a:latin typeface="Consolas" panose="020B0609020204030204" pitchFamily="49" charset="0"/>
+              </a:rPr>
+              <a:t>(s, p, </a:t>
+            </a:r>
+            <a:r>
+              <a:rPr lang="en-US" altLang="zh-CN" b="0" dirty="0" err="1">
+                <a:solidFill>
+                  <a:srgbClr val="000000"/>
+                </a:solidFill>
+                <a:effectLst/>
+                <a:latin typeface="Consolas" panose="020B0609020204030204" pitchFamily="49" charset="0"/>
+              </a:rPr>
+              <a:t>i</a:t>
+            </a:r>
+            <a:r>
+              <a:rPr lang="en-US" altLang="zh-CN" b="0" dirty="0">
+                <a:solidFill>
+                  <a:srgbClr val="000000"/>
+                </a:solidFill>
+                <a:effectLst/>
+                <a:latin typeface="Consolas" panose="020B0609020204030204" pitchFamily="49" charset="0"/>
+              </a:rPr>
+              <a:t>, j+</a:t>
+            </a:r>
+            <a:r>
+              <a:rPr lang="en-US" altLang="zh-CN" b="0" dirty="0">
+                <a:solidFill>
+                  <a:srgbClr val="09885A"/>
+                </a:solidFill>
+                <a:effectLst/>
+                <a:latin typeface="Consolas" panose="020B0609020204030204" pitchFamily="49" charset="0"/>
+              </a:rPr>
+              <a:t>2</a:t>
+            </a:r>
+            <a:r>
+              <a:rPr lang="en-US" altLang="zh-CN" b="0" dirty="0">
+                <a:solidFill>
+                  <a:srgbClr val="000000"/>
+                </a:solidFill>
+                <a:effectLst/>
+                <a:latin typeface="Consolas" panose="020B0609020204030204" pitchFamily="49" charset="0"/>
+              </a:rPr>
+              <a:t>, memo) || </a:t>
+            </a:r>
+          </a:p>
+          <a:p>
+            <a:r>
+              <a:rPr lang="en-US" altLang="zh-CN" b="0" dirty="0">
+                <a:solidFill>
+                  <a:srgbClr val="000000"/>
+                </a:solidFill>
+                <a:effectLst/>
+                <a:latin typeface="Consolas" panose="020B0609020204030204" pitchFamily="49" charset="0"/>
+              </a:rPr>
+              <a:t>                               (</a:t>
+            </a:r>
+            <a:r>
+              <a:rPr lang="en-US" altLang="zh-CN" b="0" dirty="0" err="1">
+                <a:solidFill>
+                  <a:srgbClr val="000000"/>
+                </a:solidFill>
+                <a:effectLst/>
+                <a:latin typeface="Consolas" panose="020B0609020204030204" pitchFamily="49" charset="0"/>
+              </a:rPr>
+              <a:t>first_match</a:t>
+            </a:r>
+            <a:r>
+              <a:rPr lang="en-US" altLang="zh-CN" b="0" dirty="0">
+                <a:solidFill>
+                  <a:srgbClr val="000000"/>
+                </a:solidFill>
+                <a:effectLst/>
+                <a:latin typeface="Consolas" panose="020B0609020204030204" pitchFamily="49" charset="0"/>
+              </a:rPr>
+              <a:t> &amp;&amp; </a:t>
+            </a:r>
+            <a:r>
+              <a:rPr lang="en-US" altLang="zh-CN" b="0" dirty="0" err="1">
+                <a:solidFill>
+                  <a:srgbClr val="000000"/>
+                </a:solidFill>
+                <a:effectLst/>
+                <a:latin typeface="Consolas" panose="020B0609020204030204" pitchFamily="49" charset="0"/>
+              </a:rPr>
+              <a:t>isMatchHelper</a:t>
+            </a:r>
+            <a:r>
+              <a:rPr lang="en-US" altLang="zh-CN" b="0" dirty="0">
+                <a:solidFill>
+                  <a:srgbClr val="000000"/>
+                </a:solidFill>
+                <a:effectLst/>
+                <a:latin typeface="Consolas" panose="020B0609020204030204" pitchFamily="49" charset="0"/>
+              </a:rPr>
+              <a:t>(s, p, i+</a:t>
+            </a:r>
+            <a:r>
+              <a:rPr lang="en-US" altLang="zh-CN" b="0" dirty="0">
+                <a:solidFill>
+                  <a:srgbClr val="09885A"/>
+                </a:solidFill>
+                <a:effectLst/>
+                <a:latin typeface="Consolas" panose="020B0609020204030204" pitchFamily="49" charset="0"/>
+              </a:rPr>
+              <a:t>1</a:t>
+            </a:r>
+            <a:r>
+              <a:rPr lang="en-US" altLang="zh-CN" b="0" dirty="0">
+                <a:solidFill>
+                  <a:srgbClr val="000000"/>
+                </a:solidFill>
+                <a:effectLst/>
+                <a:latin typeface="Consolas" panose="020B0609020204030204" pitchFamily="49" charset="0"/>
+              </a:rPr>
+              <a:t>, j, memo)));</a:t>
+            </a:r>
+          </a:p>
+          <a:p>
+            <a:r>
+              <a:rPr lang="en-US" altLang="zh-CN" b="0" dirty="0">
+                <a:solidFill>
+                  <a:srgbClr val="000000"/>
+                </a:solidFill>
+                <a:effectLst/>
+                <a:latin typeface="Consolas" panose="020B0609020204030204" pitchFamily="49" charset="0"/>
+              </a:rPr>
+              <a:t>        }</a:t>
+            </a:r>
+          </a:p>
+          <a:p>
+            <a:r>
+              <a:rPr lang="en-US" altLang="zh-CN" b="0" dirty="0">
+                <a:solidFill>
+                  <a:srgbClr val="000000"/>
+                </a:solidFill>
+                <a:effectLst/>
+                <a:latin typeface="Consolas" panose="020B0609020204030204" pitchFamily="49" charset="0"/>
+              </a:rPr>
+              <a:t>        </a:t>
+            </a:r>
+            <a:r>
+              <a:rPr lang="en-US" altLang="zh-CN" b="0" dirty="0">
+                <a:solidFill>
+                  <a:srgbClr val="0000FF"/>
+                </a:solidFill>
+                <a:effectLst/>
+                <a:latin typeface="Consolas" panose="020B0609020204030204" pitchFamily="49" charset="0"/>
+              </a:rPr>
+              <a:t>else</a:t>
+            </a:r>
+            <a:r>
+              <a:rPr lang="en-US" altLang="zh-CN" b="0" dirty="0">
+                <a:solidFill>
+                  <a:srgbClr val="000000"/>
+                </a:solidFill>
+                <a:effectLst/>
+                <a:latin typeface="Consolas" panose="020B0609020204030204" pitchFamily="49" charset="0"/>
+              </a:rPr>
+              <a:t> {</a:t>
+            </a:r>
+          </a:p>
+          <a:p>
+            <a:r>
+              <a:rPr lang="en-US" altLang="zh-CN" b="0" dirty="0">
+                <a:solidFill>
+                  <a:srgbClr val="000000"/>
+                </a:solidFill>
+                <a:effectLst/>
+                <a:latin typeface="Consolas" panose="020B0609020204030204" pitchFamily="49" charset="0"/>
+              </a:rPr>
+              <a:t>            memo[</a:t>
+            </a:r>
+            <a:r>
+              <a:rPr lang="en-US" altLang="zh-CN" b="0" dirty="0" err="1">
+                <a:solidFill>
+                  <a:srgbClr val="000000"/>
+                </a:solidFill>
+                <a:effectLst/>
+                <a:latin typeface="Consolas" panose="020B0609020204030204" pitchFamily="49" charset="0"/>
+              </a:rPr>
+              <a:t>i</a:t>
+            </a:r>
+            <a:r>
+              <a:rPr lang="en-US" altLang="zh-CN" b="0" dirty="0">
+                <a:solidFill>
+                  <a:srgbClr val="000000"/>
+                </a:solidFill>
+                <a:effectLst/>
+                <a:latin typeface="Consolas" panose="020B0609020204030204" pitchFamily="49" charset="0"/>
+              </a:rPr>
+              <a:t>][j] = (</a:t>
+            </a:r>
+            <a:r>
+              <a:rPr lang="en-US" altLang="zh-CN" b="0" dirty="0">
+                <a:solidFill>
+                  <a:srgbClr val="0000FF"/>
+                </a:solidFill>
+                <a:effectLst/>
+                <a:latin typeface="Consolas" panose="020B0609020204030204" pitchFamily="49" charset="0"/>
+              </a:rPr>
+              <a:t>int</a:t>
+            </a:r>
+            <a:r>
+              <a:rPr lang="en-US" altLang="zh-CN" b="0" dirty="0">
+                <a:solidFill>
+                  <a:srgbClr val="000000"/>
+                </a:solidFill>
+                <a:effectLst/>
+                <a:latin typeface="Consolas" panose="020B0609020204030204" pitchFamily="49" charset="0"/>
+              </a:rPr>
+              <a:t>)(</a:t>
+            </a:r>
+            <a:r>
+              <a:rPr lang="en-US" altLang="zh-CN" b="0" dirty="0" err="1">
+                <a:solidFill>
+                  <a:srgbClr val="000000"/>
+                </a:solidFill>
+                <a:effectLst/>
+                <a:latin typeface="Consolas" panose="020B0609020204030204" pitchFamily="49" charset="0"/>
+              </a:rPr>
+              <a:t>first_match</a:t>
+            </a:r>
+            <a:r>
+              <a:rPr lang="en-US" altLang="zh-CN" b="0" dirty="0">
+                <a:solidFill>
+                  <a:srgbClr val="000000"/>
+                </a:solidFill>
+                <a:effectLst/>
+                <a:latin typeface="Consolas" panose="020B0609020204030204" pitchFamily="49" charset="0"/>
+              </a:rPr>
+              <a:t> &amp;&amp; </a:t>
+            </a:r>
+            <a:r>
+              <a:rPr lang="en-US" altLang="zh-CN" b="0" dirty="0" err="1">
+                <a:solidFill>
+                  <a:srgbClr val="000000"/>
+                </a:solidFill>
+                <a:effectLst/>
+                <a:latin typeface="Consolas" panose="020B0609020204030204" pitchFamily="49" charset="0"/>
+              </a:rPr>
+              <a:t>isMatchHelper</a:t>
+            </a:r>
+            <a:r>
+              <a:rPr lang="en-US" altLang="zh-CN" b="0" dirty="0">
+                <a:solidFill>
+                  <a:srgbClr val="000000"/>
+                </a:solidFill>
+                <a:effectLst/>
+                <a:latin typeface="Consolas" panose="020B0609020204030204" pitchFamily="49" charset="0"/>
+              </a:rPr>
+              <a:t>(s, p, i+</a:t>
+            </a:r>
+            <a:r>
+              <a:rPr lang="en-US" altLang="zh-CN" b="0" dirty="0">
+                <a:solidFill>
+                  <a:srgbClr val="09885A"/>
+                </a:solidFill>
+                <a:effectLst/>
+                <a:latin typeface="Consolas" panose="020B0609020204030204" pitchFamily="49" charset="0"/>
+              </a:rPr>
+              <a:t>1</a:t>
+            </a:r>
+            <a:r>
+              <a:rPr lang="en-US" altLang="zh-CN" b="0" dirty="0">
+                <a:solidFill>
+                  <a:srgbClr val="000000"/>
+                </a:solidFill>
+                <a:effectLst/>
+                <a:latin typeface="Consolas" panose="020B0609020204030204" pitchFamily="49" charset="0"/>
+              </a:rPr>
+              <a:t>, j+</a:t>
+            </a:r>
+            <a:r>
+              <a:rPr lang="en-US" altLang="zh-CN" b="0" dirty="0">
+                <a:solidFill>
+                  <a:srgbClr val="09885A"/>
+                </a:solidFill>
+                <a:effectLst/>
+                <a:latin typeface="Consolas" panose="020B0609020204030204" pitchFamily="49" charset="0"/>
+              </a:rPr>
+              <a:t>1</a:t>
+            </a:r>
+            <a:r>
+              <a:rPr lang="en-US" altLang="zh-CN" b="0" dirty="0">
+                <a:solidFill>
+                  <a:srgbClr val="000000"/>
+                </a:solidFill>
+                <a:effectLst/>
+                <a:latin typeface="Consolas" panose="020B0609020204030204" pitchFamily="49" charset="0"/>
+              </a:rPr>
+              <a:t>, memo));</a:t>
+            </a:r>
+          </a:p>
+          <a:p>
+            <a:r>
+              <a:rPr lang="en-US" altLang="zh-CN" b="0" dirty="0">
+                <a:solidFill>
+                  <a:srgbClr val="000000"/>
+                </a:solidFill>
+                <a:effectLst/>
+                <a:latin typeface="Consolas" panose="020B0609020204030204" pitchFamily="49" charset="0"/>
+              </a:rPr>
+              <a:t>        }</a:t>
+            </a:r>
+          </a:p>
+          <a:p>
+            <a:r>
+              <a:rPr lang="en-US" altLang="zh-CN" b="0" dirty="0">
+                <a:solidFill>
+                  <a:srgbClr val="000000"/>
+                </a:solidFill>
+                <a:effectLst/>
+                <a:latin typeface="Consolas" panose="020B0609020204030204" pitchFamily="49" charset="0"/>
+              </a:rPr>
+              <a:t>        </a:t>
+            </a:r>
+            <a:r>
+              <a:rPr lang="en-US" altLang="zh-CN" b="0" dirty="0">
+                <a:solidFill>
+                  <a:srgbClr val="0000FF"/>
+                </a:solidFill>
+                <a:effectLst/>
+                <a:latin typeface="Consolas" panose="020B0609020204030204" pitchFamily="49" charset="0"/>
+              </a:rPr>
+              <a:t>return</a:t>
+            </a:r>
+            <a:r>
+              <a:rPr lang="en-US" altLang="zh-CN" b="0" dirty="0">
+                <a:solidFill>
+                  <a:srgbClr val="000000"/>
+                </a:solidFill>
+                <a:effectLst/>
+                <a:latin typeface="Consolas" panose="020B0609020204030204" pitchFamily="49" charset="0"/>
+              </a:rPr>
+              <a:t> (</a:t>
+            </a:r>
+            <a:r>
+              <a:rPr lang="en-US" altLang="zh-CN" b="0" dirty="0">
+                <a:solidFill>
+                  <a:srgbClr val="0000FF"/>
+                </a:solidFill>
+                <a:effectLst/>
+                <a:latin typeface="Consolas" panose="020B0609020204030204" pitchFamily="49" charset="0"/>
+              </a:rPr>
+              <a:t>bool</a:t>
+            </a:r>
+            <a:r>
+              <a:rPr lang="en-US" altLang="zh-CN" b="0" dirty="0">
+                <a:solidFill>
+                  <a:srgbClr val="000000"/>
+                </a:solidFill>
+                <a:effectLst/>
+                <a:latin typeface="Consolas" panose="020B0609020204030204" pitchFamily="49" charset="0"/>
+              </a:rPr>
+              <a:t>)memo[</a:t>
+            </a:r>
+            <a:r>
+              <a:rPr lang="en-US" altLang="zh-CN" b="0" dirty="0" err="1">
+                <a:solidFill>
+                  <a:srgbClr val="000000"/>
+                </a:solidFill>
+                <a:effectLst/>
+                <a:latin typeface="Consolas" panose="020B0609020204030204" pitchFamily="49" charset="0"/>
+              </a:rPr>
+              <a:t>i</a:t>
+            </a:r>
+            <a:r>
+              <a:rPr lang="en-US" altLang="zh-CN" b="0" dirty="0">
+                <a:solidFill>
+                  <a:srgbClr val="000000"/>
+                </a:solidFill>
+                <a:effectLst/>
+                <a:latin typeface="Consolas" panose="020B0609020204030204" pitchFamily="49" charset="0"/>
+              </a:rPr>
+              <a:t>][j];</a:t>
+            </a:r>
+          </a:p>
+          <a:p>
+            <a:r>
+              <a:rPr lang="en-US" altLang="zh-CN" b="0" dirty="0">
+                <a:solidFill>
+                  <a:srgbClr val="000000"/>
+                </a:solidFill>
+                <a:effectLst/>
+                <a:latin typeface="Consolas" panose="020B0609020204030204" pitchFamily="49" charset="0"/>
+              </a:rPr>
+              <a:t>    }</a:t>
+            </a:r>
+          </a:p>
+          <a:p>
+            <a:r>
+              <a:rPr lang="en-US" altLang="zh-CN" b="0" dirty="0">
+                <a:solidFill>
+                  <a:srgbClr val="000000"/>
+                </a:solidFill>
+                <a:effectLst/>
+                <a:latin typeface="Consolas" panose="020B0609020204030204" pitchFamily="49" charset="0"/>
+              </a:rPr>
+              <a:t>};</a:t>
+            </a:r>
+          </a:p>
+          <a:p>
+            <a:br>
+              <a:rPr lang="en-US" altLang="zh-CN" b="0" dirty="0">
+                <a:solidFill>
+                  <a:srgbClr val="000000"/>
+                </a:solidFill>
+                <a:effectLst/>
+                <a:latin typeface="Consolas" panose="020B0609020204030204" pitchFamily="49" charset="0"/>
+              </a:rPr>
+            </a:br>
+            <a:endParaRPr lang="en-US" altLang="zh-CN" b="0" dirty="0">
+              <a:solidFill>
+                <a:srgbClr val="000000"/>
+              </a:solidFill>
+              <a:effectLst/>
+              <a:latin typeface="Consolas" panose="020B0609020204030204" pitchFamily="49" charset="0"/>
+            </a:endParaRPr>
+          </a:p>
+          <a:p>
+            <a:endParaRPr lang="zh-CN" altLang="en-US" dirty="0"/>
+          </a:p>
+        </p:txBody>
+      </p:sp>
+    </p:spTree>
+    <p:extLst>
+      <p:ext uri="{BB962C8B-B14F-4D97-AF65-F5344CB8AC3E}">
+        <p14:creationId xmlns:p14="http://schemas.microsoft.com/office/powerpoint/2010/main" val="4251865911"/>
+      </p:ext>
+    </p:extLst>
+  </p:cSld>
+  <p:clrMapOvr>
+    <a:masterClrMapping/>
+  </p:clrMapOvr>
+</p:sld>
+</file>
+
 <file path=ppt/slides/slide2.xml><?xml version="1.0" encoding="utf-8"?>
 <p:sld xmlns:a="http://schemas.openxmlformats.org/drawingml/2006/main" xmlns:r="http://schemas.openxmlformats.org/officeDocument/2006/relationships" xmlns:p="http://schemas.openxmlformats.org/presentationml/2006/main">
   <p:cSld>
@@ -4200,6 +7338,406 @@
     <p:extLst>
       <p:ext uri="{BB962C8B-B14F-4D97-AF65-F5344CB8AC3E}">
         <p14:creationId xmlns:p14="http://schemas.microsoft.com/office/powerpoint/2010/main" val="1931363057"/>
+      </p:ext>
+    </p:extLst>
+  </p:cSld>
+  <p:clrMapOvr>
+    <a:masterClrMapping/>
+  </p:clrMapOvr>
+</p:sld>
+</file>
+
+<file path=ppt/slides/slide8.xml><?xml version="1.0" encoding="utf-8"?>
+<p:sld xmlns:a="http://schemas.openxmlformats.org/drawingml/2006/main" xmlns:r="http://schemas.openxmlformats.org/officeDocument/2006/relationships" xmlns:p="http://schemas.openxmlformats.org/presentationml/2006/main">
+  <p:cSld>
+    <p:spTree>
+      <p:nvGrpSpPr>
+        <p:cNvPr id="1" name=""/>
+        <p:cNvGrpSpPr/>
+        <p:nvPr/>
+      </p:nvGrpSpPr>
+      <p:grpSpPr>
+        <a:xfrm>
+          <a:off x="0" y="0"/>
+          <a:ext cx="0" cy="0"/>
+          <a:chOff x="0" y="0"/>
+          <a:chExt cx="0" cy="0"/>
+        </a:xfrm>
+      </p:grpSpPr>
+      <p:sp>
+        <p:nvSpPr>
+          <p:cNvPr id="2" name="标题 1">
+            <a:extLst>
+              <a:ext uri="{FF2B5EF4-FFF2-40B4-BE49-F238E27FC236}">
+                <a16:creationId xmlns:a16="http://schemas.microsoft.com/office/drawing/2014/main" id="{CD0F7360-8FCB-4C63-B7CA-A0038BEB4E2F}"/>
+              </a:ext>
+            </a:extLst>
+          </p:cNvPr>
+          <p:cNvSpPr>
+            <a:spLocks noGrp="1"/>
+          </p:cNvSpPr>
+          <p:nvPr>
+            <p:ph type="title"/>
+          </p:nvPr>
+        </p:nvSpPr>
+        <p:spPr/>
+        <p:txBody>
+          <a:bodyPr/>
+          <a:lstStyle/>
+          <a:p>
+            <a:r>
+              <a:rPr lang="zh-CN" altLang="en-US" dirty="0"/>
+              <a:t>处理 </a:t>
+            </a:r>
+            <a:r>
+              <a:rPr lang="en-US" altLang="zh-CN" dirty="0"/>
+              <a:t>. </a:t>
+            </a:r>
+            <a:r>
+              <a:rPr lang="zh-CN" altLang="en-US" dirty="0"/>
+              <a:t>通配符</a:t>
+            </a:r>
+          </a:p>
+        </p:txBody>
+      </p:sp>
+      <p:sp>
+        <p:nvSpPr>
+          <p:cNvPr id="3" name="内容占位符 2">
+            <a:extLst>
+              <a:ext uri="{FF2B5EF4-FFF2-40B4-BE49-F238E27FC236}">
+                <a16:creationId xmlns:a16="http://schemas.microsoft.com/office/drawing/2014/main" id="{288C0532-B81A-42E6-8850-4B2055B7E966}"/>
+              </a:ext>
+            </a:extLst>
+          </p:cNvPr>
+          <p:cNvSpPr>
+            <a:spLocks noGrp="1"/>
+          </p:cNvSpPr>
+          <p:nvPr>
+            <p:ph idx="1"/>
+          </p:nvPr>
+        </p:nvSpPr>
+        <p:spPr/>
+        <p:txBody>
+          <a:bodyPr/>
+          <a:lstStyle/>
+          <a:p>
+            <a:r>
+              <a:rPr lang="en-US" altLang="zh-CN" dirty="0"/>
+              <a:t>bool isMatch4(string s, string p) {</a:t>
+            </a:r>
+          </a:p>
+          <a:p>
+            <a:r>
+              <a:rPr lang="en-US" altLang="zh-CN" dirty="0"/>
+              <a:t>    if(</a:t>
+            </a:r>
+            <a:r>
+              <a:rPr lang="en-US" altLang="zh-CN" dirty="0" err="1"/>
+              <a:t>p.empty</a:t>
+            </a:r>
+            <a:r>
+              <a:rPr lang="en-US" altLang="zh-CN" dirty="0"/>
+              <a:t>()) return </a:t>
+            </a:r>
+            <a:r>
+              <a:rPr lang="en-US" altLang="zh-CN" dirty="0" err="1"/>
+              <a:t>s.empty</a:t>
+            </a:r>
+            <a:r>
+              <a:rPr lang="en-US" altLang="zh-CN" dirty="0"/>
+              <a:t>();</a:t>
+            </a:r>
+          </a:p>
+          <a:p>
+            <a:r>
+              <a:rPr lang="en-US" altLang="zh-CN" dirty="0"/>
+              <a:t>    bool </a:t>
+            </a:r>
+            <a:r>
+              <a:rPr lang="en-US" altLang="zh-CN" dirty="0" err="1"/>
+              <a:t>first_match</a:t>
+            </a:r>
+            <a:r>
+              <a:rPr lang="en-US" altLang="zh-CN" dirty="0"/>
+              <a:t> = (!</a:t>
+            </a:r>
+            <a:r>
+              <a:rPr lang="en-US" altLang="zh-CN" dirty="0" err="1"/>
+              <a:t>s.empty</a:t>
+            </a:r>
+            <a:r>
+              <a:rPr lang="en-US" altLang="zh-CN" dirty="0"/>
+              <a:t>() &amp;&amp; (s[0] == p[0] || p[0] == '.'));</a:t>
+            </a:r>
+          </a:p>
+          <a:p>
+            <a:r>
+              <a:rPr lang="en-US" altLang="zh-CN" dirty="0"/>
+              <a:t>    return </a:t>
+            </a:r>
+            <a:r>
+              <a:rPr lang="en-US" altLang="zh-CN" dirty="0" err="1"/>
+              <a:t>first_match</a:t>
+            </a:r>
+            <a:r>
+              <a:rPr lang="en-US" altLang="zh-CN" dirty="0"/>
+              <a:t> &amp;&amp; isMatch4(</a:t>
+            </a:r>
+            <a:r>
+              <a:rPr lang="en-US" altLang="zh-CN" dirty="0" err="1"/>
+              <a:t>s.substr</a:t>
+            </a:r>
+            <a:r>
+              <a:rPr lang="en-US" altLang="zh-CN" dirty="0"/>
+              <a:t>(1,s.size()-1), </a:t>
+            </a:r>
+            <a:r>
+              <a:rPr lang="en-US" altLang="zh-CN" dirty="0" err="1"/>
+              <a:t>p.substr</a:t>
+            </a:r>
+            <a:r>
+              <a:rPr lang="en-US" altLang="zh-CN" dirty="0"/>
+              <a:t>(1, </a:t>
+            </a:r>
+            <a:r>
+              <a:rPr lang="en-US" altLang="zh-CN" dirty="0" err="1"/>
+              <a:t>p.size</a:t>
+            </a:r>
+            <a:r>
+              <a:rPr lang="en-US" altLang="zh-CN" dirty="0"/>
+              <a:t>()-1));</a:t>
+            </a:r>
+          </a:p>
+          <a:p>
+            <a:r>
+              <a:rPr lang="en-US" altLang="zh-CN" dirty="0"/>
+              <a:t>}</a:t>
+            </a:r>
+            <a:endParaRPr lang="zh-CN" altLang="en-US" dirty="0"/>
+          </a:p>
+        </p:txBody>
+      </p:sp>
+    </p:spTree>
+    <p:extLst>
+      <p:ext uri="{BB962C8B-B14F-4D97-AF65-F5344CB8AC3E}">
+        <p14:creationId xmlns:p14="http://schemas.microsoft.com/office/powerpoint/2010/main" val="2294072786"/>
+      </p:ext>
+    </p:extLst>
+  </p:cSld>
+  <p:clrMapOvr>
+    <a:masterClrMapping/>
+  </p:clrMapOvr>
+</p:sld>
+</file>
+
+<file path=ppt/slides/slide9.xml><?xml version="1.0" encoding="utf-8"?>
+<p:sld xmlns:a="http://schemas.openxmlformats.org/drawingml/2006/main" xmlns:r="http://schemas.openxmlformats.org/officeDocument/2006/relationships" xmlns:p="http://schemas.openxmlformats.org/presentationml/2006/main">
+  <p:cSld>
+    <p:spTree>
+      <p:nvGrpSpPr>
+        <p:cNvPr id="1" name=""/>
+        <p:cNvGrpSpPr/>
+        <p:nvPr/>
+      </p:nvGrpSpPr>
+      <p:grpSpPr>
+        <a:xfrm>
+          <a:off x="0" y="0"/>
+          <a:ext cx="0" cy="0"/>
+          <a:chOff x="0" y="0"/>
+          <a:chExt cx="0" cy="0"/>
+        </a:xfrm>
+      </p:grpSpPr>
+      <p:sp>
+        <p:nvSpPr>
+          <p:cNvPr id="2" name="标题 1">
+            <a:extLst>
+              <a:ext uri="{FF2B5EF4-FFF2-40B4-BE49-F238E27FC236}">
+                <a16:creationId xmlns:a16="http://schemas.microsoft.com/office/drawing/2014/main" id="{2F43C85E-219D-4DAA-A5DC-85054071F7A5}"/>
+              </a:ext>
+            </a:extLst>
+          </p:cNvPr>
+          <p:cNvSpPr>
+            <a:spLocks noGrp="1"/>
+          </p:cNvSpPr>
+          <p:nvPr>
+            <p:ph type="title"/>
+          </p:nvPr>
+        </p:nvSpPr>
+        <p:spPr/>
+        <p:txBody>
+          <a:bodyPr/>
+          <a:lstStyle/>
+          <a:p>
+            <a:r>
+              <a:rPr lang="zh-CN" altLang="en-US" dirty="0"/>
+              <a:t>搭一个处理*的框架</a:t>
+            </a:r>
+          </a:p>
+        </p:txBody>
+      </p:sp>
+      <p:sp>
+        <p:nvSpPr>
+          <p:cNvPr id="3" name="内容占位符 2">
+            <a:extLst>
+              <a:ext uri="{FF2B5EF4-FFF2-40B4-BE49-F238E27FC236}">
+                <a16:creationId xmlns:a16="http://schemas.microsoft.com/office/drawing/2014/main" id="{75CFA83B-97E0-4CC6-8A5B-9B05D2103F55}"/>
+              </a:ext>
+            </a:extLst>
+          </p:cNvPr>
+          <p:cNvSpPr>
+            <a:spLocks noGrp="1"/>
+          </p:cNvSpPr>
+          <p:nvPr>
+            <p:ph idx="1"/>
+          </p:nvPr>
+        </p:nvSpPr>
+        <p:spPr/>
+        <p:txBody>
+          <a:bodyPr>
+            <a:normAutofit fontScale="92500" lnSpcReduction="10000"/>
+          </a:bodyPr>
+          <a:lstStyle/>
+          <a:p>
+            <a:r>
+              <a:rPr lang="en-US" altLang="zh-CN" dirty="0"/>
+              <a:t>bool isMatch4(string s, string p) {</a:t>
+            </a:r>
+          </a:p>
+          <a:p>
+            <a:r>
+              <a:rPr lang="en-US" altLang="zh-CN" dirty="0"/>
+              <a:t>    if(</a:t>
+            </a:r>
+            <a:r>
+              <a:rPr lang="en-US" altLang="zh-CN" dirty="0" err="1"/>
+              <a:t>p.empty</a:t>
+            </a:r>
+            <a:r>
+              <a:rPr lang="en-US" altLang="zh-CN" dirty="0"/>
+              <a:t>()) return </a:t>
+            </a:r>
+            <a:r>
+              <a:rPr lang="en-US" altLang="zh-CN" dirty="0" err="1"/>
+              <a:t>s.empty</a:t>
+            </a:r>
+            <a:r>
+              <a:rPr lang="en-US" altLang="zh-CN" dirty="0"/>
+              <a:t>();</a:t>
+            </a:r>
+          </a:p>
+          <a:p>
+            <a:r>
+              <a:rPr lang="en-US" altLang="zh-CN" dirty="0"/>
+              <a:t>    bool </a:t>
+            </a:r>
+            <a:r>
+              <a:rPr lang="en-US" altLang="zh-CN" dirty="0" err="1"/>
+              <a:t>first_match</a:t>
+            </a:r>
+            <a:r>
+              <a:rPr lang="en-US" altLang="zh-CN" dirty="0"/>
+              <a:t> = (!</a:t>
+            </a:r>
+            <a:r>
+              <a:rPr lang="en-US" altLang="zh-CN" dirty="0" err="1"/>
+              <a:t>s.empty</a:t>
+            </a:r>
+            <a:r>
+              <a:rPr lang="en-US" altLang="zh-CN" dirty="0"/>
+              <a:t>() &amp;&amp; (s[0] == p[0] || p[0] == '.'));</a:t>
+            </a:r>
+          </a:p>
+          <a:p>
+            <a:r>
+              <a:rPr lang="en-US" altLang="zh-CN" dirty="0"/>
+              <a:t>    if(</a:t>
+            </a:r>
+            <a:r>
+              <a:rPr lang="en-US" altLang="zh-CN" dirty="0" err="1"/>
+              <a:t>p.length</a:t>
+            </a:r>
+            <a:r>
+              <a:rPr lang="en-US" altLang="zh-CN" dirty="0"/>
+              <a:t>() &gt;= 2 &amp;&amp; p[1] == '*') {</a:t>
+            </a:r>
+          </a:p>
+          <a:p>
+            <a:r>
+              <a:rPr lang="en-US" altLang="zh-CN" dirty="0"/>
+              <a:t>        // </a:t>
+            </a:r>
+            <a:r>
+              <a:rPr lang="zh-CN" altLang="en-US" dirty="0"/>
+              <a:t>处理*通配符</a:t>
+            </a:r>
+          </a:p>
+          <a:p>
+            <a:r>
+              <a:rPr lang="zh-CN" altLang="en-US" dirty="0"/>
+              <a:t>    </a:t>
+            </a:r>
+            <a:r>
+              <a:rPr lang="en-US" altLang="zh-CN" dirty="0"/>
+              <a:t>} </a:t>
+            </a:r>
+          </a:p>
+          <a:p>
+            <a:r>
+              <a:rPr lang="en-US" altLang="zh-CN" dirty="0"/>
+              <a:t>    else</a:t>
+            </a:r>
+          </a:p>
+          <a:p>
+            <a:r>
+              <a:rPr lang="en-US" altLang="zh-CN" dirty="0"/>
+              <a:t>        return </a:t>
+            </a:r>
+            <a:r>
+              <a:rPr lang="en-US" altLang="zh-CN" dirty="0" err="1"/>
+              <a:t>first_match</a:t>
+            </a:r>
+            <a:r>
+              <a:rPr lang="en-US" altLang="zh-CN" dirty="0"/>
+              <a:t> &amp;&amp; isMatch4(</a:t>
+            </a:r>
+            <a:r>
+              <a:rPr lang="en-US" altLang="zh-CN" dirty="0" err="1"/>
+              <a:t>s.substr</a:t>
+            </a:r>
+            <a:r>
+              <a:rPr lang="en-US" altLang="zh-CN" dirty="0"/>
+              <a:t>(1,s.size()-1), </a:t>
+            </a:r>
+            <a:r>
+              <a:rPr lang="en-US" altLang="zh-CN" dirty="0" err="1"/>
+              <a:t>p.substr</a:t>
+            </a:r>
+            <a:r>
+              <a:rPr lang="en-US" altLang="zh-CN" dirty="0"/>
+              <a:t>(1, </a:t>
+            </a:r>
+            <a:r>
+              <a:rPr lang="en-US" altLang="zh-CN" dirty="0" err="1"/>
+              <a:t>p.size</a:t>
+            </a:r>
+            <a:r>
+              <a:rPr lang="en-US" altLang="zh-CN" dirty="0"/>
+              <a:t>()-1));</a:t>
+            </a:r>
+          </a:p>
+          <a:p>
+            <a:r>
+              <a:rPr lang="en-US" altLang="zh-CN" dirty="0"/>
+              <a:t>}</a:t>
+            </a:r>
+            <a:endParaRPr lang="zh-CN" altLang="en-US" dirty="0"/>
+          </a:p>
+        </p:txBody>
+      </p:sp>
+    </p:spTree>
+    <p:extLst>
+      <p:ext uri="{BB962C8B-B14F-4D97-AF65-F5344CB8AC3E}">
+        <p14:creationId xmlns:p14="http://schemas.microsoft.com/office/powerpoint/2010/main" val="3834027694"/>
       </p:ext>
     </p:extLst>
   </p:cSld>
